--- a/Cracking_the_coding_interview/Java/src_explanation/2.6.Palindrome.pptx
+++ b/Cracking_the_coding_interview/Java/src_explanation/2.6.Palindrome.pptx
@@ -6,6 +6,7 @@
   </p:sldMasterIdLst>
   <p:sldIdLst>
     <p:sldId id="258" r:id="rId2"/>
+    <p:sldId id="259" r:id="rId3"/>
   </p:sldIdLst>
   <p:sldSz cx="12192000" cy="6858000"/>
   <p:notesSz cx="6858000" cy="9144000"/>
@@ -3976,12 +3977,20 @@
           <a:lstStyle/>
           <a:p>
             <a:r>
+              <a:rPr lang="en-US" u="sng" dirty="0" err="1">
+                <a:solidFill>
+                  <a:schemeClr val="accent1"/>
+                </a:solidFill>
+              </a:rPr>
+              <a:t>reverseAndClone</a:t>
+            </a:r>
+            <a:r>
               <a:rPr lang="en-US" u="sng" dirty="0">
                 <a:solidFill>
                   <a:schemeClr val="accent1"/>
                 </a:solidFill>
               </a:rPr>
-              <a:t>reverseAndClone.java</a:t>
+              <a:t>()</a:t>
             </a:r>
           </a:p>
         </p:txBody>
@@ -7424,6 +7433,4130 @@
     <p:extLst>
       <p:ext uri="{BB962C8B-B14F-4D97-AF65-F5344CB8AC3E}">
         <p14:creationId xmlns:p14="http://schemas.microsoft.com/office/powerpoint/2010/main" val="2315796685"/>
+      </p:ext>
+    </p:extLst>
+  </p:cSld>
+  <p:clrMapOvr>
+    <a:masterClrMapping/>
+  </p:clrMapOvr>
+</p:sld>
+</file>
+
+<file path=ppt/slides/slide2.xml><?xml version="1.0" encoding="utf-8"?>
+<p:sld xmlns:a="http://schemas.openxmlformats.org/drawingml/2006/main" xmlns:r="http://schemas.openxmlformats.org/officeDocument/2006/relationships" xmlns:p="http://schemas.openxmlformats.org/presentationml/2006/main">
+  <p:cSld>
+    <p:spTree>
+      <p:nvGrpSpPr>
+        <p:cNvPr id="1" name=""/>
+        <p:cNvGrpSpPr/>
+        <p:nvPr/>
+      </p:nvGrpSpPr>
+      <p:grpSpPr>
+        <a:xfrm>
+          <a:off x="0" y="0"/>
+          <a:ext cx="0" cy="0"/>
+          <a:chOff x="0" y="0"/>
+          <a:chExt cx="0" cy="0"/>
+        </a:xfrm>
+      </p:grpSpPr>
+      <p:sp>
+        <p:nvSpPr>
+          <p:cNvPr id="4" name="TextBox 3">
+            <a:extLst>
+              <a:ext uri="{FF2B5EF4-FFF2-40B4-BE49-F238E27FC236}">
+                <a16:creationId xmlns:a16="http://schemas.microsoft.com/office/drawing/2014/main" id="{E56007F4-8A63-4E8E-9ED5-2F18F45D0E8E}"/>
+              </a:ext>
+            </a:extLst>
+          </p:cNvPr>
+          <p:cNvSpPr txBox="1"/>
+          <p:nvPr/>
+        </p:nvSpPr>
+        <p:spPr>
+          <a:xfrm>
+            <a:off x="427843" y="528506"/>
+            <a:ext cx="855673" cy="369332"/>
+          </a:xfrm>
+          <a:prstGeom prst="rect">
+            <a:avLst/>
+          </a:prstGeom>
+          <a:noFill/>
+        </p:spPr>
+        <p:txBody>
+          <a:bodyPr wrap="square" rtlCol="0">
+            <a:spAutoFit/>
+          </a:bodyPr>
+          <a:lstStyle/>
+          <a:p>
+            <a:r>
+              <a:rPr lang="en-US" dirty="0"/>
+              <a:t>node =</a:t>
+            </a:r>
+          </a:p>
+        </p:txBody>
+      </p:sp>
+      <p:sp>
+        <p:nvSpPr>
+          <p:cNvPr id="5" name="Rectangle 4">
+            <a:extLst>
+              <a:ext uri="{FF2B5EF4-FFF2-40B4-BE49-F238E27FC236}">
+                <a16:creationId xmlns:a16="http://schemas.microsoft.com/office/drawing/2014/main" id="{9379515D-13DE-4B62-8C65-93BBEC8FEE77}"/>
+              </a:ext>
+            </a:extLst>
+          </p:cNvPr>
+          <p:cNvSpPr/>
+          <p:nvPr/>
+        </p:nvSpPr>
+        <p:spPr>
+          <a:xfrm>
+            <a:off x="1300295" y="587229"/>
+            <a:ext cx="830510" cy="251886"/>
+          </a:xfrm>
+          <a:prstGeom prst="rect">
+            <a:avLst/>
+          </a:prstGeom>
+        </p:spPr>
+        <p:style>
+          <a:lnRef idx="2">
+            <a:schemeClr val="accent1">
+              <a:shade val="50000"/>
+            </a:schemeClr>
+          </a:lnRef>
+          <a:fillRef idx="1">
+            <a:schemeClr val="accent1"/>
+          </a:fillRef>
+          <a:effectRef idx="0">
+            <a:schemeClr val="accent1"/>
+          </a:effectRef>
+          <a:fontRef idx="minor">
+            <a:schemeClr val="lt1"/>
+          </a:fontRef>
+        </p:style>
+        <p:txBody>
+          <a:bodyPr rtlCol="0" anchor="ctr"/>
+          <a:lstStyle/>
+          <a:p>
+            <a:pPr algn="ctr"/>
+            <a:endParaRPr lang="en-US"/>
+          </a:p>
+        </p:txBody>
+      </p:sp>
+      <p:sp>
+        <p:nvSpPr>
+          <p:cNvPr id="7" name="Rectangle 6">
+            <a:extLst>
+              <a:ext uri="{FF2B5EF4-FFF2-40B4-BE49-F238E27FC236}">
+                <a16:creationId xmlns:a16="http://schemas.microsoft.com/office/drawing/2014/main" id="{0E857B63-3306-4F1B-8F40-62E08809A625}"/>
+              </a:ext>
+            </a:extLst>
+          </p:cNvPr>
+          <p:cNvSpPr/>
+          <p:nvPr/>
+        </p:nvSpPr>
+        <p:spPr>
+          <a:xfrm>
+            <a:off x="1300295" y="587228"/>
+            <a:ext cx="486560" cy="251887"/>
+          </a:xfrm>
+          <a:prstGeom prst="rect">
+            <a:avLst/>
+          </a:prstGeom>
+          <a:solidFill>
+            <a:schemeClr val="bg1"/>
+          </a:solidFill>
+        </p:spPr>
+        <p:style>
+          <a:lnRef idx="2">
+            <a:schemeClr val="accent1">
+              <a:shade val="50000"/>
+            </a:schemeClr>
+          </a:lnRef>
+          <a:fillRef idx="1">
+            <a:schemeClr val="accent1"/>
+          </a:fillRef>
+          <a:effectRef idx="0">
+            <a:schemeClr val="accent1"/>
+          </a:effectRef>
+          <a:fontRef idx="minor">
+            <a:schemeClr val="lt1"/>
+          </a:fontRef>
+        </p:style>
+        <p:txBody>
+          <a:bodyPr rtlCol="0" anchor="ctr"/>
+          <a:lstStyle/>
+          <a:p>
+            <a:pPr algn="ctr"/>
+            <a:endParaRPr lang="en-US"/>
+          </a:p>
+        </p:txBody>
+      </p:sp>
+      <p:sp>
+        <p:nvSpPr>
+          <p:cNvPr id="8" name="TextBox 7">
+            <a:extLst>
+              <a:ext uri="{FF2B5EF4-FFF2-40B4-BE49-F238E27FC236}">
+                <a16:creationId xmlns:a16="http://schemas.microsoft.com/office/drawing/2014/main" id="{D11DB7BB-8030-4929-9CFB-3439DBA3EF60}"/>
+              </a:ext>
+            </a:extLst>
+          </p:cNvPr>
+          <p:cNvSpPr txBox="1"/>
+          <p:nvPr/>
+        </p:nvSpPr>
+        <p:spPr>
+          <a:xfrm>
+            <a:off x="1354824" y="528506"/>
+            <a:ext cx="360726" cy="369332"/>
+          </a:xfrm>
+          <a:prstGeom prst="rect">
+            <a:avLst/>
+          </a:prstGeom>
+          <a:noFill/>
+        </p:spPr>
+        <p:txBody>
+          <a:bodyPr wrap="square" rtlCol="0">
+            <a:spAutoFit/>
+          </a:bodyPr>
+          <a:lstStyle/>
+          <a:p>
+            <a:r>
+              <a:rPr lang="en-US" dirty="0"/>
+              <a:t>3</a:t>
+            </a:r>
+          </a:p>
+        </p:txBody>
+      </p:sp>
+      <p:cxnSp>
+        <p:nvCxnSpPr>
+          <p:cNvPr id="10" name="Straight Arrow Connector 9">
+            <a:extLst>
+              <a:ext uri="{FF2B5EF4-FFF2-40B4-BE49-F238E27FC236}">
+                <a16:creationId xmlns:a16="http://schemas.microsoft.com/office/drawing/2014/main" id="{C4CB82AA-3986-4C50-BA16-5BD66AB638FA}"/>
+              </a:ext>
+            </a:extLst>
+          </p:cNvPr>
+          <p:cNvCxnSpPr>
+            <a:stCxn id="5" idx="3"/>
+          </p:cNvCxnSpPr>
+          <p:nvPr/>
+        </p:nvCxnSpPr>
+        <p:spPr>
+          <a:xfrm flipV="1">
+            <a:off x="2130805" y="713171"/>
+            <a:ext cx="385892" cy="1"/>
+          </a:xfrm>
+          <a:prstGeom prst="straightConnector1">
+            <a:avLst/>
+          </a:prstGeom>
+          <a:ln w="38100">
+            <a:tailEnd type="triangle"/>
+          </a:ln>
+        </p:spPr>
+        <p:style>
+          <a:lnRef idx="1">
+            <a:schemeClr val="accent1"/>
+          </a:lnRef>
+          <a:fillRef idx="0">
+            <a:schemeClr val="accent1"/>
+          </a:fillRef>
+          <a:effectRef idx="0">
+            <a:schemeClr val="accent1"/>
+          </a:effectRef>
+          <a:fontRef idx="minor">
+            <a:schemeClr val="tx1"/>
+          </a:fontRef>
+        </p:style>
+      </p:cxnSp>
+      <p:sp>
+        <p:nvSpPr>
+          <p:cNvPr id="11" name="Rectangle 10">
+            <a:extLst>
+              <a:ext uri="{FF2B5EF4-FFF2-40B4-BE49-F238E27FC236}">
+                <a16:creationId xmlns:a16="http://schemas.microsoft.com/office/drawing/2014/main" id="{486F0556-9E7F-4A0B-BCE8-3BC55A9D7076}"/>
+              </a:ext>
+            </a:extLst>
+          </p:cNvPr>
+          <p:cNvSpPr/>
+          <p:nvPr/>
+        </p:nvSpPr>
+        <p:spPr>
+          <a:xfrm>
+            <a:off x="2516697" y="583142"/>
+            <a:ext cx="830510" cy="251886"/>
+          </a:xfrm>
+          <a:prstGeom prst="rect">
+            <a:avLst/>
+          </a:prstGeom>
+        </p:spPr>
+        <p:style>
+          <a:lnRef idx="2">
+            <a:schemeClr val="accent1">
+              <a:shade val="50000"/>
+            </a:schemeClr>
+          </a:lnRef>
+          <a:fillRef idx="1">
+            <a:schemeClr val="accent1"/>
+          </a:fillRef>
+          <a:effectRef idx="0">
+            <a:schemeClr val="accent1"/>
+          </a:effectRef>
+          <a:fontRef idx="minor">
+            <a:schemeClr val="lt1"/>
+          </a:fontRef>
+        </p:style>
+        <p:txBody>
+          <a:bodyPr rtlCol="0" anchor="ctr"/>
+          <a:lstStyle/>
+          <a:p>
+            <a:pPr algn="ctr"/>
+            <a:endParaRPr lang="en-US"/>
+          </a:p>
+        </p:txBody>
+      </p:sp>
+      <p:sp>
+        <p:nvSpPr>
+          <p:cNvPr id="12" name="Rectangle 11">
+            <a:extLst>
+              <a:ext uri="{FF2B5EF4-FFF2-40B4-BE49-F238E27FC236}">
+                <a16:creationId xmlns:a16="http://schemas.microsoft.com/office/drawing/2014/main" id="{3B219EC5-90CA-4188-A6E7-88AF84A60F14}"/>
+              </a:ext>
+            </a:extLst>
+          </p:cNvPr>
+          <p:cNvSpPr/>
+          <p:nvPr/>
+        </p:nvSpPr>
+        <p:spPr>
+          <a:xfrm>
+            <a:off x="2516697" y="583141"/>
+            <a:ext cx="486560" cy="251887"/>
+          </a:xfrm>
+          <a:prstGeom prst="rect">
+            <a:avLst/>
+          </a:prstGeom>
+          <a:solidFill>
+            <a:schemeClr val="bg1"/>
+          </a:solidFill>
+        </p:spPr>
+        <p:style>
+          <a:lnRef idx="2">
+            <a:schemeClr val="accent1">
+              <a:shade val="50000"/>
+            </a:schemeClr>
+          </a:lnRef>
+          <a:fillRef idx="1">
+            <a:schemeClr val="accent1"/>
+          </a:fillRef>
+          <a:effectRef idx="0">
+            <a:schemeClr val="accent1"/>
+          </a:effectRef>
+          <a:fontRef idx="minor">
+            <a:schemeClr val="lt1"/>
+          </a:fontRef>
+        </p:style>
+        <p:txBody>
+          <a:bodyPr rtlCol="0" anchor="ctr"/>
+          <a:lstStyle/>
+          <a:p>
+            <a:pPr algn="ctr"/>
+            <a:endParaRPr lang="en-US"/>
+          </a:p>
+        </p:txBody>
+      </p:sp>
+      <p:cxnSp>
+        <p:nvCxnSpPr>
+          <p:cNvPr id="13" name="Straight Arrow Connector 12">
+            <a:extLst>
+              <a:ext uri="{FF2B5EF4-FFF2-40B4-BE49-F238E27FC236}">
+                <a16:creationId xmlns:a16="http://schemas.microsoft.com/office/drawing/2014/main" id="{9D3CD2CA-EFC8-45A9-B048-029C1C5BA9F4}"/>
+              </a:ext>
+            </a:extLst>
+          </p:cNvPr>
+          <p:cNvCxnSpPr>
+            <a:stCxn id="11" idx="3"/>
+          </p:cNvCxnSpPr>
+          <p:nvPr/>
+        </p:nvCxnSpPr>
+        <p:spPr>
+          <a:xfrm flipV="1">
+            <a:off x="3347207" y="709084"/>
+            <a:ext cx="385892" cy="1"/>
+          </a:xfrm>
+          <a:prstGeom prst="straightConnector1">
+            <a:avLst/>
+          </a:prstGeom>
+          <a:ln w="38100">
+            <a:tailEnd type="triangle"/>
+          </a:ln>
+        </p:spPr>
+        <p:style>
+          <a:lnRef idx="1">
+            <a:schemeClr val="accent1"/>
+          </a:lnRef>
+          <a:fillRef idx="0">
+            <a:schemeClr val="accent1"/>
+          </a:fillRef>
+          <a:effectRef idx="0">
+            <a:schemeClr val="accent1"/>
+          </a:effectRef>
+          <a:fontRef idx="minor">
+            <a:schemeClr val="tx1"/>
+          </a:fontRef>
+        </p:style>
+      </p:cxnSp>
+      <p:sp>
+        <p:nvSpPr>
+          <p:cNvPr id="14" name="Rectangle 13">
+            <a:extLst>
+              <a:ext uri="{FF2B5EF4-FFF2-40B4-BE49-F238E27FC236}">
+                <a16:creationId xmlns:a16="http://schemas.microsoft.com/office/drawing/2014/main" id="{A00FE79F-A846-4778-923F-149986AAB4DF}"/>
+              </a:ext>
+            </a:extLst>
+          </p:cNvPr>
+          <p:cNvSpPr/>
+          <p:nvPr/>
+        </p:nvSpPr>
+        <p:spPr>
+          <a:xfrm>
+            <a:off x="3741486" y="583142"/>
+            <a:ext cx="830510" cy="251886"/>
+          </a:xfrm>
+          <a:prstGeom prst="rect">
+            <a:avLst/>
+          </a:prstGeom>
+        </p:spPr>
+        <p:style>
+          <a:lnRef idx="2">
+            <a:schemeClr val="accent1">
+              <a:shade val="50000"/>
+            </a:schemeClr>
+          </a:lnRef>
+          <a:fillRef idx="1">
+            <a:schemeClr val="accent1"/>
+          </a:fillRef>
+          <a:effectRef idx="0">
+            <a:schemeClr val="accent1"/>
+          </a:effectRef>
+          <a:fontRef idx="minor">
+            <a:schemeClr val="lt1"/>
+          </a:fontRef>
+        </p:style>
+        <p:txBody>
+          <a:bodyPr rtlCol="0" anchor="ctr"/>
+          <a:lstStyle/>
+          <a:p>
+            <a:pPr algn="ctr"/>
+            <a:endParaRPr lang="en-US"/>
+          </a:p>
+        </p:txBody>
+      </p:sp>
+      <p:sp>
+        <p:nvSpPr>
+          <p:cNvPr id="15" name="Rectangle 14">
+            <a:extLst>
+              <a:ext uri="{FF2B5EF4-FFF2-40B4-BE49-F238E27FC236}">
+                <a16:creationId xmlns:a16="http://schemas.microsoft.com/office/drawing/2014/main" id="{183881A5-B389-4692-BF96-675C42B20E74}"/>
+              </a:ext>
+            </a:extLst>
+          </p:cNvPr>
+          <p:cNvSpPr/>
+          <p:nvPr/>
+        </p:nvSpPr>
+        <p:spPr>
+          <a:xfrm>
+            <a:off x="3741486" y="583141"/>
+            <a:ext cx="486560" cy="251887"/>
+          </a:xfrm>
+          <a:prstGeom prst="rect">
+            <a:avLst/>
+          </a:prstGeom>
+          <a:solidFill>
+            <a:schemeClr val="bg1"/>
+          </a:solidFill>
+        </p:spPr>
+        <p:style>
+          <a:lnRef idx="2">
+            <a:schemeClr val="accent1">
+              <a:shade val="50000"/>
+            </a:schemeClr>
+          </a:lnRef>
+          <a:fillRef idx="1">
+            <a:schemeClr val="accent1"/>
+          </a:fillRef>
+          <a:effectRef idx="0">
+            <a:schemeClr val="accent1"/>
+          </a:effectRef>
+          <a:fontRef idx="minor">
+            <a:schemeClr val="lt1"/>
+          </a:fontRef>
+        </p:style>
+        <p:txBody>
+          <a:bodyPr rtlCol="0" anchor="ctr"/>
+          <a:lstStyle/>
+          <a:p>
+            <a:pPr algn="ctr"/>
+            <a:endParaRPr lang="en-US"/>
+          </a:p>
+        </p:txBody>
+      </p:sp>
+      <p:sp>
+        <p:nvSpPr>
+          <p:cNvPr id="17" name="TextBox 16">
+            <a:extLst>
+              <a:ext uri="{FF2B5EF4-FFF2-40B4-BE49-F238E27FC236}">
+                <a16:creationId xmlns:a16="http://schemas.microsoft.com/office/drawing/2014/main" id="{55F234FA-0D1F-4E23-A1FD-F5282088CD8A}"/>
+              </a:ext>
+            </a:extLst>
+          </p:cNvPr>
+          <p:cNvSpPr txBox="1"/>
+          <p:nvPr/>
+        </p:nvSpPr>
+        <p:spPr>
+          <a:xfrm>
+            <a:off x="2588002" y="524418"/>
+            <a:ext cx="360726" cy="369332"/>
+          </a:xfrm>
+          <a:prstGeom prst="rect">
+            <a:avLst/>
+          </a:prstGeom>
+          <a:noFill/>
+        </p:spPr>
+        <p:txBody>
+          <a:bodyPr wrap="square" rtlCol="0">
+            <a:spAutoFit/>
+          </a:bodyPr>
+          <a:lstStyle/>
+          <a:p>
+            <a:r>
+              <a:rPr lang="en-US" dirty="0"/>
+              <a:t>6</a:t>
+            </a:r>
+          </a:p>
+        </p:txBody>
+      </p:sp>
+      <p:sp>
+        <p:nvSpPr>
+          <p:cNvPr id="18" name="TextBox 17">
+            <a:extLst>
+              <a:ext uri="{FF2B5EF4-FFF2-40B4-BE49-F238E27FC236}">
+                <a16:creationId xmlns:a16="http://schemas.microsoft.com/office/drawing/2014/main" id="{19112EF1-2F5A-4BAF-B9F8-58FBFDE0E353}"/>
+              </a:ext>
+            </a:extLst>
+          </p:cNvPr>
+          <p:cNvSpPr txBox="1"/>
+          <p:nvPr/>
+        </p:nvSpPr>
+        <p:spPr>
+          <a:xfrm>
+            <a:off x="3812792" y="524418"/>
+            <a:ext cx="360726" cy="369332"/>
+          </a:xfrm>
+          <a:prstGeom prst="rect">
+            <a:avLst/>
+          </a:prstGeom>
+          <a:noFill/>
+        </p:spPr>
+        <p:txBody>
+          <a:bodyPr wrap="square" rtlCol="0">
+            <a:spAutoFit/>
+          </a:bodyPr>
+          <a:lstStyle/>
+          <a:p>
+            <a:r>
+              <a:rPr lang="en-US" dirty="0"/>
+              <a:t>7</a:t>
+            </a:r>
+          </a:p>
+        </p:txBody>
+      </p:sp>
+      <p:sp>
+        <p:nvSpPr>
+          <p:cNvPr id="44" name="TextBox 43">
+            <a:extLst>
+              <a:ext uri="{FF2B5EF4-FFF2-40B4-BE49-F238E27FC236}">
+                <a16:creationId xmlns:a16="http://schemas.microsoft.com/office/drawing/2014/main" id="{C3C43FC2-5801-4E2A-AB9C-2CD36AC1A00B}"/>
+              </a:ext>
+            </a:extLst>
+          </p:cNvPr>
+          <p:cNvSpPr txBox="1"/>
+          <p:nvPr/>
+        </p:nvSpPr>
+        <p:spPr>
+          <a:xfrm>
+            <a:off x="689102" y="1752373"/>
+            <a:ext cx="1073790" cy="369332"/>
+          </a:xfrm>
+          <a:prstGeom prst="rect">
+            <a:avLst/>
+          </a:prstGeom>
+          <a:noFill/>
+        </p:spPr>
+        <p:txBody>
+          <a:bodyPr wrap="square" rtlCol="0">
+            <a:spAutoFit/>
+          </a:bodyPr>
+          <a:lstStyle/>
+          <a:p>
+            <a:r>
+              <a:rPr lang="en-US" dirty="0"/>
+              <a:t>n = </a:t>
+            </a:r>
+          </a:p>
+        </p:txBody>
+      </p:sp>
+      <p:cxnSp>
+        <p:nvCxnSpPr>
+          <p:cNvPr id="46" name="Straight Connector 45">
+            <a:extLst>
+              <a:ext uri="{FF2B5EF4-FFF2-40B4-BE49-F238E27FC236}">
+                <a16:creationId xmlns:a16="http://schemas.microsoft.com/office/drawing/2014/main" id="{71CEFB26-6F31-4275-A2AA-BDC7B63E1249}"/>
+              </a:ext>
+            </a:extLst>
+          </p:cNvPr>
+          <p:cNvCxnSpPr>
+            <a:cxnSpLocks/>
+          </p:cNvCxnSpPr>
+          <p:nvPr/>
+        </p:nvCxnSpPr>
+        <p:spPr>
+          <a:xfrm flipV="1">
+            <a:off x="427843" y="979738"/>
+            <a:ext cx="4970638" cy="2599"/>
+          </a:xfrm>
+          <a:prstGeom prst="line">
+            <a:avLst/>
+          </a:prstGeom>
+        </p:spPr>
+        <p:style>
+          <a:lnRef idx="1">
+            <a:schemeClr val="accent1"/>
+          </a:lnRef>
+          <a:fillRef idx="0">
+            <a:schemeClr val="accent1"/>
+          </a:fillRef>
+          <a:effectRef idx="0">
+            <a:schemeClr val="accent1"/>
+          </a:effectRef>
+          <a:fontRef idx="minor">
+            <a:schemeClr val="tx1"/>
+          </a:fontRef>
+        </p:style>
+      </p:cxnSp>
+      <p:cxnSp>
+        <p:nvCxnSpPr>
+          <p:cNvPr id="50" name="Straight Arrow Connector 49">
+            <a:extLst>
+              <a:ext uri="{FF2B5EF4-FFF2-40B4-BE49-F238E27FC236}">
+                <a16:creationId xmlns:a16="http://schemas.microsoft.com/office/drawing/2014/main" id="{5A5D1A78-E532-4569-B16C-632620F392F5}"/>
+              </a:ext>
+            </a:extLst>
+          </p:cNvPr>
+          <p:cNvCxnSpPr>
+            <a:cxnSpLocks/>
+          </p:cNvCxnSpPr>
+          <p:nvPr/>
+        </p:nvCxnSpPr>
+        <p:spPr>
+          <a:xfrm>
+            <a:off x="2038871" y="2341682"/>
+            <a:ext cx="659219" cy="599270"/>
+          </a:xfrm>
+          <a:prstGeom prst="straightConnector1">
+            <a:avLst/>
+          </a:prstGeom>
+          <a:ln>
+            <a:tailEnd type="triangle"/>
+          </a:ln>
+        </p:spPr>
+        <p:style>
+          <a:lnRef idx="1">
+            <a:schemeClr val="accent1"/>
+          </a:lnRef>
+          <a:fillRef idx="0">
+            <a:schemeClr val="accent1"/>
+          </a:fillRef>
+          <a:effectRef idx="0">
+            <a:schemeClr val="accent1"/>
+          </a:effectRef>
+          <a:fontRef idx="minor">
+            <a:schemeClr val="tx1"/>
+          </a:fontRef>
+        </p:style>
+      </p:cxnSp>
+      <p:sp>
+        <p:nvSpPr>
+          <p:cNvPr id="2" name="TextBox 1">
+            <a:extLst>
+              <a:ext uri="{FF2B5EF4-FFF2-40B4-BE49-F238E27FC236}">
+                <a16:creationId xmlns:a16="http://schemas.microsoft.com/office/drawing/2014/main" id="{59E7DBF5-ACAB-4069-ACB8-30E7E70725C3}"/>
+              </a:ext>
+            </a:extLst>
+          </p:cNvPr>
+          <p:cNvSpPr txBox="1"/>
+          <p:nvPr/>
+        </p:nvSpPr>
+        <p:spPr>
+          <a:xfrm>
+            <a:off x="154649" y="22973"/>
+            <a:ext cx="2433353" cy="369332"/>
+          </a:xfrm>
+          <a:prstGeom prst="rect">
+            <a:avLst/>
+          </a:prstGeom>
+          <a:noFill/>
+        </p:spPr>
+        <p:txBody>
+          <a:bodyPr wrap="square" rtlCol="0">
+            <a:spAutoFit/>
+          </a:bodyPr>
+          <a:lstStyle/>
+          <a:p>
+            <a:r>
+              <a:rPr lang="en-US" u="sng" dirty="0">
+                <a:solidFill>
+                  <a:schemeClr val="accent1"/>
+                </a:solidFill>
+              </a:rPr>
+              <a:t>reverseAndClone.java</a:t>
+            </a:r>
+          </a:p>
+        </p:txBody>
+      </p:sp>
+      <p:sp>
+        <p:nvSpPr>
+          <p:cNvPr id="127" name="TextBox 126">
+            <a:extLst>
+              <a:ext uri="{FF2B5EF4-FFF2-40B4-BE49-F238E27FC236}">
+                <a16:creationId xmlns:a16="http://schemas.microsoft.com/office/drawing/2014/main" id="{D48BBE7A-46EF-4495-8039-1A7CEEEA91BA}"/>
+              </a:ext>
+            </a:extLst>
+          </p:cNvPr>
+          <p:cNvSpPr txBox="1"/>
+          <p:nvPr/>
+        </p:nvSpPr>
+        <p:spPr>
+          <a:xfrm>
+            <a:off x="680616" y="1259665"/>
+            <a:ext cx="1336255" cy="369332"/>
+          </a:xfrm>
+          <a:prstGeom prst="rect">
+            <a:avLst/>
+          </a:prstGeom>
+          <a:noFill/>
+        </p:spPr>
+        <p:txBody>
+          <a:bodyPr wrap="square" rtlCol="0">
+            <a:spAutoFit/>
+          </a:bodyPr>
+          <a:lstStyle/>
+          <a:p>
+            <a:r>
+              <a:rPr lang="en-US" dirty="0"/>
+              <a:t>head = null </a:t>
+            </a:r>
+          </a:p>
+        </p:txBody>
+      </p:sp>
+      <p:sp>
+        <p:nvSpPr>
+          <p:cNvPr id="128" name="TextBox 127">
+            <a:extLst>
+              <a:ext uri="{FF2B5EF4-FFF2-40B4-BE49-F238E27FC236}">
+                <a16:creationId xmlns:a16="http://schemas.microsoft.com/office/drawing/2014/main" id="{05CF8DC5-A04E-46CD-AD9F-9DF33E87A97D}"/>
+              </a:ext>
+            </a:extLst>
+          </p:cNvPr>
+          <p:cNvSpPr txBox="1"/>
+          <p:nvPr/>
+        </p:nvSpPr>
+        <p:spPr>
+          <a:xfrm>
+            <a:off x="687513" y="1503989"/>
+            <a:ext cx="1543197" cy="369332"/>
+          </a:xfrm>
+          <a:prstGeom prst="rect">
+            <a:avLst/>
+          </a:prstGeom>
+          <a:noFill/>
+        </p:spPr>
+        <p:txBody>
+          <a:bodyPr wrap="square" rtlCol="0">
+            <a:spAutoFit/>
+          </a:bodyPr>
+          <a:lstStyle/>
+          <a:p>
+            <a:r>
+              <a:rPr lang="en-US" dirty="0" err="1"/>
+              <a:t>node.data</a:t>
+            </a:r>
+            <a:r>
+              <a:rPr lang="en-US" dirty="0"/>
+              <a:t> = 3</a:t>
+            </a:r>
+          </a:p>
+        </p:txBody>
+      </p:sp>
+      <p:sp>
+        <p:nvSpPr>
+          <p:cNvPr id="221" name="Speech Bubble: Oval 220">
+            <a:extLst>
+              <a:ext uri="{FF2B5EF4-FFF2-40B4-BE49-F238E27FC236}">
+                <a16:creationId xmlns:a16="http://schemas.microsoft.com/office/drawing/2014/main" id="{B232DECC-53D8-4C75-951D-1E32454AD062}"/>
+              </a:ext>
+            </a:extLst>
+          </p:cNvPr>
+          <p:cNvSpPr/>
+          <p:nvPr/>
+        </p:nvSpPr>
+        <p:spPr>
+          <a:xfrm>
+            <a:off x="7231572" y="4676362"/>
+            <a:ext cx="4428141" cy="564538"/>
+          </a:xfrm>
+          <a:prstGeom prst="wedgeEllipseCallout">
+            <a:avLst>
+              <a:gd name="adj1" fmla="val 19329"/>
+              <a:gd name="adj2" fmla="val -317145"/>
+            </a:avLst>
+          </a:prstGeom>
+          <a:noFill/>
+          <a:ln>
+            <a:solidFill>
+              <a:srgbClr val="FFFF00"/>
+            </a:solidFill>
+          </a:ln>
+        </p:spPr>
+        <p:style>
+          <a:lnRef idx="2">
+            <a:schemeClr val="accent1">
+              <a:shade val="50000"/>
+            </a:schemeClr>
+          </a:lnRef>
+          <a:fillRef idx="1">
+            <a:schemeClr val="accent1"/>
+          </a:fillRef>
+          <a:effectRef idx="0">
+            <a:schemeClr val="accent1"/>
+          </a:effectRef>
+          <a:fontRef idx="minor">
+            <a:schemeClr val="lt1"/>
+          </a:fontRef>
+        </p:style>
+        <p:txBody>
+          <a:bodyPr rtlCol="0" anchor="ctr"/>
+          <a:lstStyle/>
+          <a:p>
+            <a:pPr algn="ctr"/>
+            <a:endParaRPr lang="en-US"/>
+          </a:p>
+        </p:txBody>
+      </p:sp>
+      <p:sp>
+        <p:nvSpPr>
+          <p:cNvPr id="252" name="TextBox 251">
+            <a:extLst>
+              <a:ext uri="{FF2B5EF4-FFF2-40B4-BE49-F238E27FC236}">
+                <a16:creationId xmlns:a16="http://schemas.microsoft.com/office/drawing/2014/main" id="{88B2D4E1-F91D-4C32-82A1-01E9CE330103}"/>
+              </a:ext>
+            </a:extLst>
+          </p:cNvPr>
+          <p:cNvSpPr txBox="1"/>
+          <p:nvPr/>
+        </p:nvSpPr>
+        <p:spPr>
+          <a:xfrm>
+            <a:off x="10180620" y="2468809"/>
+            <a:ext cx="1073790" cy="646331"/>
+          </a:xfrm>
+          <a:prstGeom prst="rect">
+            <a:avLst/>
+          </a:prstGeom>
+          <a:noFill/>
+        </p:spPr>
+        <p:txBody>
+          <a:bodyPr wrap="square" rtlCol="0">
+            <a:spAutoFit/>
+          </a:bodyPr>
+          <a:lstStyle/>
+          <a:p>
+            <a:r>
+              <a:rPr lang="en-US" dirty="0">
+                <a:solidFill>
+                  <a:schemeClr val="accent2"/>
+                </a:solidFill>
+              </a:rPr>
+              <a:t>Return value!</a:t>
+            </a:r>
+          </a:p>
+        </p:txBody>
+      </p:sp>
+      <p:sp>
+        <p:nvSpPr>
+          <p:cNvPr id="121" name="Rectangle 120">
+            <a:extLst>
+              <a:ext uri="{FF2B5EF4-FFF2-40B4-BE49-F238E27FC236}">
+                <a16:creationId xmlns:a16="http://schemas.microsoft.com/office/drawing/2014/main" id="{111A6F29-5636-47C2-8F44-2F7C5C477C2A}"/>
+              </a:ext>
+            </a:extLst>
+          </p:cNvPr>
+          <p:cNvSpPr/>
+          <p:nvPr/>
+        </p:nvSpPr>
+        <p:spPr>
+          <a:xfrm>
+            <a:off x="1184247" y="1830199"/>
+            <a:ext cx="830510" cy="251886"/>
+          </a:xfrm>
+          <a:prstGeom prst="rect">
+            <a:avLst/>
+          </a:prstGeom>
+        </p:spPr>
+        <p:style>
+          <a:lnRef idx="2">
+            <a:schemeClr val="accent1">
+              <a:shade val="50000"/>
+            </a:schemeClr>
+          </a:lnRef>
+          <a:fillRef idx="1">
+            <a:schemeClr val="accent1"/>
+          </a:fillRef>
+          <a:effectRef idx="0">
+            <a:schemeClr val="accent1"/>
+          </a:effectRef>
+          <a:fontRef idx="minor">
+            <a:schemeClr val="lt1"/>
+          </a:fontRef>
+        </p:style>
+        <p:txBody>
+          <a:bodyPr rtlCol="0" anchor="ctr"/>
+          <a:lstStyle/>
+          <a:p>
+            <a:pPr algn="ctr"/>
+            <a:endParaRPr lang="en-US"/>
+          </a:p>
+        </p:txBody>
+      </p:sp>
+      <p:sp>
+        <p:nvSpPr>
+          <p:cNvPr id="122" name="Rectangle 121">
+            <a:extLst>
+              <a:ext uri="{FF2B5EF4-FFF2-40B4-BE49-F238E27FC236}">
+                <a16:creationId xmlns:a16="http://schemas.microsoft.com/office/drawing/2014/main" id="{9EE39D4C-252B-4525-8BBB-1F25459B4292}"/>
+              </a:ext>
+            </a:extLst>
+          </p:cNvPr>
+          <p:cNvSpPr/>
+          <p:nvPr/>
+        </p:nvSpPr>
+        <p:spPr>
+          <a:xfrm>
+            <a:off x="1184247" y="1830198"/>
+            <a:ext cx="486560" cy="251887"/>
+          </a:xfrm>
+          <a:prstGeom prst="rect">
+            <a:avLst/>
+          </a:prstGeom>
+          <a:solidFill>
+            <a:schemeClr val="bg1"/>
+          </a:solidFill>
+        </p:spPr>
+        <p:style>
+          <a:lnRef idx="2">
+            <a:schemeClr val="accent1">
+              <a:shade val="50000"/>
+            </a:schemeClr>
+          </a:lnRef>
+          <a:fillRef idx="1">
+            <a:schemeClr val="accent1"/>
+          </a:fillRef>
+          <a:effectRef idx="0">
+            <a:schemeClr val="accent1"/>
+          </a:effectRef>
+          <a:fontRef idx="minor">
+            <a:schemeClr val="lt1"/>
+          </a:fontRef>
+        </p:style>
+        <p:txBody>
+          <a:bodyPr rtlCol="0" anchor="ctr"/>
+          <a:lstStyle/>
+          <a:p>
+            <a:pPr algn="ctr"/>
+            <a:endParaRPr lang="en-US"/>
+          </a:p>
+        </p:txBody>
+      </p:sp>
+      <p:cxnSp>
+        <p:nvCxnSpPr>
+          <p:cNvPr id="123" name="Straight Arrow Connector 122">
+            <a:extLst>
+              <a:ext uri="{FF2B5EF4-FFF2-40B4-BE49-F238E27FC236}">
+                <a16:creationId xmlns:a16="http://schemas.microsoft.com/office/drawing/2014/main" id="{35E35C27-45F8-42F0-86BE-CCA825D20CDA}"/>
+              </a:ext>
+            </a:extLst>
+          </p:cNvPr>
+          <p:cNvCxnSpPr>
+            <a:stCxn id="121" idx="3"/>
+          </p:cNvCxnSpPr>
+          <p:nvPr/>
+        </p:nvCxnSpPr>
+        <p:spPr>
+          <a:xfrm flipV="1">
+            <a:off x="2014757" y="1956141"/>
+            <a:ext cx="385892" cy="1"/>
+          </a:xfrm>
+          <a:prstGeom prst="straightConnector1">
+            <a:avLst/>
+          </a:prstGeom>
+          <a:ln w="38100">
+            <a:tailEnd type="triangle"/>
+          </a:ln>
+        </p:spPr>
+        <p:style>
+          <a:lnRef idx="1">
+            <a:schemeClr val="accent1"/>
+          </a:lnRef>
+          <a:fillRef idx="0">
+            <a:schemeClr val="accent1"/>
+          </a:fillRef>
+          <a:effectRef idx="0">
+            <a:schemeClr val="accent1"/>
+          </a:effectRef>
+          <a:fontRef idx="minor">
+            <a:schemeClr val="tx1"/>
+          </a:fontRef>
+        </p:style>
+      </p:cxnSp>
+      <p:sp>
+        <p:nvSpPr>
+          <p:cNvPr id="126" name="TextBox 125">
+            <a:extLst>
+              <a:ext uri="{FF2B5EF4-FFF2-40B4-BE49-F238E27FC236}">
+                <a16:creationId xmlns:a16="http://schemas.microsoft.com/office/drawing/2014/main" id="{A49F1B58-DF6F-44F1-81C8-0CC31EBC7E11}"/>
+              </a:ext>
+            </a:extLst>
+          </p:cNvPr>
+          <p:cNvSpPr txBox="1"/>
+          <p:nvPr/>
+        </p:nvSpPr>
+        <p:spPr>
+          <a:xfrm>
+            <a:off x="1280722" y="1755515"/>
+            <a:ext cx="360726" cy="369332"/>
+          </a:xfrm>
+          <a:prstGeom prst="rect">
+            <a:avLst/>
+          </a:prstGeom>
+          <a:noFill/>
+        </p:spPr>
+        <p:txBody>
+          <a:bodyPr wrap="square" rtlCol="0">
+            <a:spAutoFit/>
+          </a:bodyPr>
+          <a:lstStyle/>
+          <a:p>
+            <a:r>
+              <a:rPr lang="en-US" dirty="0"/>
+              <a:t>3</a:t>
+            </a:r>
+          </a:p>
+        </p:txBody>
+      </p:sp>
+      <p:sp>
+        <p:nvSpPr>
+          <p:cNvPr id="150" name="TextBox 149">
+            <a:extLst>
+              <a:ext uri="{FF2B5EF4-FFF2-40B4-BE49-F238E27FC236}">
+                <a16:creationId xmlns:a16="http://schemas.microsoft.com/office/drawing/2014/main" id="{B4060268-C794-4D56-8862-7EB962C85784}"/>
+              </a:ext>
+            </a:extLst>
+          </p:cNvPr>
+          <p:cNvSpPr txBox="1"/>
+          <p:nvPr/>
+        </p:nvSpPr>
+        <p:spPr>
+          <a:xfrm>
+            <a:off x="2354512" y="1736164"/>
+            <a:ext cx="1336255" cy="369332"/>
+          </a:xfrm>
+          <a:prstGeom prst="rect">
+            <a:avLst/>
+          </a:prstGeom>
+          <a:noFill/>
+        </p:spPr>
+        <p:txBody>
+          <a:bodyPr wrap="square" rtlCol="0">
+            <a:spAutoFit/>
+          </a:bodyPr>
+          <a:lstStyle/>
+          <a:p>
+            <a:r>
+              <a:rPr lang="en-US" dirty="0"/>
+              <a:t>null </a:t>
+            </a:r>
+          </a:p>
+        </p:txBody>
+      </p:sp>
+      <p:sp>
+        <p:nvSpPr>
+          <p:cNvPr id="3" name="Multiplication Sign 2">
+            <a:extLst>
+              <a:ext uri="{FF2B5EF4-FFF2-40B4-BE49-F238E27FC236}">
+                <a16:creationId xmlns:a16="http://schemas.microsoft.com/office/drawing/2014/main" id="{7CBFFE70-10D1-442B-A140-B5B2711FDB33}"/>
+              </a:ext>
+            </a:extLst>
+          </p:cNvPr>
+          <p:cNvSpPr/>
+          <p:nvPr/>
+        </p:nvSpPr>
+        <p:spPr>
+          <a:xfrm>
+            <a:off x="1501711" y="1332203"/>
+            <a:ext cx="213839" cy="292114"/>
+          </a:xfrm>
+          <a:prstGeom prst="mathMultiply">
+            <a:avLst/>
+          </a:prstGeom>
+          <a:solidFill>
+            <a:srgbClr val="FF0000"/>
+          </a:solidFill>
+          <a:ln>
+            <a:solidFill>
+              <a:schemeClr val="bg1"/>
+            </a:solidFill>
+          </a:ln>
+        </p:spPr>
+        <p:style>
+          <a:lnRef idx="2">
+            <a:schemeClr val="accent1">
+              <a:shade val="50000"/>
+            </a:schemeClr>
+          </a:lnRef>
+          <a:fillRef idx="1">
+            <a:schemeClr val="accent1"/>
+          </a:fillRef>
+          <a:effectRef idx="0">
+            <a:schemeClr val="accent1"/>
+          </a:effectRef>
+          <a:fontRef idx="minor">
+            <a:schemeClr val="lt1"/>
+          </a:fontRef>
+        </p:style>
+        <p:txBody>
+          <a:bodyPr rtlCol="0" anchor="ctr"/>
+          <a:lstStyle/>
+          <a:p>
+            <a:pPr algn="ctr"/>
+            <a:endParaRPr lang="en-US"/>
+          </a:p>
+        </p:txBody>
+      </p:sp>
+      <p:sp>
+        <p:nvSpPr>
+          <p:cNvPr id="151" name="Rectangle 150">
+            <a:extLst>
+              <a:ext uri="{FF2B5EF4-FFF2-40B4-BE49-F238E27FC236}">
+                <a16:creationId xmlns:a16="http://schemas.microsoft.com/office/drawing/2014/main" id="{3A922A56-3B5E-4BDA-B25A-52FE4223D39F}"/>
+              </a:ext>
+            </a:extLst>
+          </p:cNvPr>
+          <p:cNvSpPr/>
+          <p:nvPr/>
+        </p:nvSpPr>
+        <p:spPr>
+          <a:xfrm>
+            <a:off x="1923877" y="1336646"/>
+            <a:ext cx="830510" cy="251886"/>
+          </a:xfrm>
+          <a:prstGeom prst="rect">
+            <a:avLst/>
+          </a:prstGeom>
+        </p:spPr>
+        <p:style>
+          <a:lnRef idx="2">
+            <a:schemeClr val="accent1">
+              <a:shade val="50000"/>
+            </a:schemeClr>
+          </a:lnRef>
+          <a:fillRef idx="1">
+            <a:schemeClr val="accent1"/>
+          </a:fillRef>
+          <a:effectRef idx="0">
+            <a:schemeClr val="accent1"/>
+          </a:effectRef>
+          <a:fontRef idx="minor">
+            <a:schemeClr val="lt1"/>
+          </a:fontRef>
+        </p:style>
+        <p:txBody>
+          <a:bodyPr rtlCol="0" anchor="ctr"/>
+          <a:lstStyle/>
+          <a:p>
+            <a:pPr algn="ctr"/>
+            <a:endParaRPr lang="en-US"/>
+          </a:p>
+        </p:txBody>
+      </p:sp>
+      <p:sp>
+        <p:nvSpPr>
+          <p:cNvPr id="152" name="Rectangle 151">
+            <a:extLst>
+              <a:ext uri="{FF2B5EF4-FFF2-40B4-BE49-F238E27FC236}">
+                <a16:creationId xmlns:a16="http://schemas.microsoft.com/office/drawing/2014/main" id="{664218D7-17F9-4BD6-B144-8DCBE17FA694}"/>
+              </a:ext>
+            </a:extLst>
+          </p:cNvPr>
+          <p:cNvSpPr/>
+          <p:nvPr/>
+        </p:nvSpPr>
+        <p:spPr>
+          <a:xfrm>
+            <a:off x="1923877" y="1336645"/>
+            <a:ext cx="486560" cy="251887"/>
+          </a:xfrm>
+          <a:prstGeom prst="rect">
+            <a:avLst/>
+          </a:prstGeom>
+          <a:solidFill>
+            <a:schemeClr val="bg1"/>
+          </a:solidFill>
+        </p:spPr>
+        <p:style>
+          <a:lnRef idx="2">
+            <a:schemeClr val="accent1">
+              <a:shade val="50000"/>
+            </a:schemeClr>
+          </a:lnRef>
+          <a:fillRef idx="1">
+            <a:schemeClr val="accent1"/>
+          </a:fillRef>
+          <a:effectRef idx="0">
+            <a:schemeClr val="accent1"/>
+          </a:effectRef>
+          <a:fontRef idx="minor">
+            <a:schemeClr val="lt1"/>
+          </a:fontRef>
+        </p:style>
+        <p:txBody>
+          <a:bodyPr rtlCol="0" anchor="ctr"/>
+          <a:lstStyle/>
+          <a:p>
+            <a:pPr algn="ctr"/>
+            <a:endParaRPr lang="en-US"/>
+          </a:p>
+        </p:txBody>
+      </p:sp>
+      <p:cxnSp>
+        <p:nvCxnSpPr>
+          <p:cNvPr id="153" name="Straight Arrow Connector 152">
+            <a:extLst>
+              <a:ext uri="{FF2B5EF4-FFF2-40B4-BE49-F238E27FC236}">
+                <a16:creationId xmlns:a16="http://schemas.microsoft.com/office/drawing/2014/main" id="{3267B96F-CB50-4ECF-BFE4-C9E4C807F635}"/>
+              </a:ext>
+            </a:extLst>
+          </p:cNvPr>
+          <p:cNvCxnSpPr>
+            <a:stCxn id="151" idx="3"/>
+          </p:cNvCxnSpPr>
+          <p:nvPr/>
+        </p:nvCxnSpPr>
+        <p:spPr>
+          <a:xfrm flipV="1">
+            <a:off x="2754387" y="1462588"/>
+            <a:ext cx="385892" cy="1"/>
+          </a:xfrm>
+          <a:prstGeom prst="straightConnector1">
+            <a:avLst/>
+          </a:prstGeom>
+          <a:ln w="38100">
+            <a:tailEnd type="triangle"/>
+          </a:ln>
+        </p:spPr>
+        <p:style>
+          <a:lnRef idx="1">
+            <a:schemeClr val="accent1"/>
+          </a:lnRef>
+          <a:fillRef idx="0">
+            <a:schemeClr val="accent1"/>
+          </a:fillRef>
+          <a:effectRef idx="0">
+            <a:schemeClr val="accent1"/>
+          </a:effectRef>
+          <a:fontRef idx="minor">
+            <a:schemeClr val="tx1"/>
+          </a:fontRef>
+        </p:style>
+      </p:cxnSp>
+      <p:sp>
+        <p:nvSpPr>
+          <p:cNvPr id="154" name="TextBox 153">
+            <a:extLst>
+              <a:ext uri="{FF2B5EF4-FFF2-40B4-BE49-F238E27FC236}">
+                <a16:creationId xmlns:a16="http://schemas.microsoft.com/office/drawing/2014/main" id="{6A63C73C-04FE-4CD2-AC5F-598E8EF2D983}"/>
+              </a:ext>
+            </a:extLst>
+          </p:cNvPr>
+          <p:cNvSpPr txBox="1"/>
+          <p:nvPr/>
+        </p:nvSpPr>
+        <p:spPr>
+          <a:xfrm>
+            <a:off x="2009881" y="1270143"/>
+            <a:ext cx="360726" cy="369332"/>
+          </a:xfrm>
+          <a:prstGeom prst="rect">
+            <a:avLst/>
+          </a:prstGeom>
+          <a:noFill/>
+        </p:spPr>
+        <p:txBody>
+          <a:bodyPr wrap="square" rtlCol="0">
+            <a:spAutoFit/>
+          </a:bodyPr>
+          <a:lstStyle/>
+          <a:p>
+            <a:r>
+              <a:rPr lang="en-US" dirty="0"/>
+              <a:t>3</a:t>
+            </a:r>
+          </a:p>
+        </p:txBody>
+      </p:sp>
+      <p:sp>
+        <p:nvSpPr>
+          <p:cNvPr id="155" name="TextBox 154">
+            <a:extLst>
+              <a:ext uri="{FF2B5EF4-FFF2-40B4-BE49-F238E27FC236}">
+                <a16:creationId xmlns:a16="http://schemas.microsoft.com/office/drawing/2014/main" id="{83EF3B26-12B3-4608-B949-1751AA40B1F2}"/>
+              </a:ext>
+            </a:extLst>
+          </p:cNvPr>
+          <p:cNvSpPr txBox="1"/>
+          <p:nvPr/>
+        </p:nvSpPr>
+        <p:spPr>
+          <a:xfrm>
+            <a:off x="3140279" y="1259665"/>
+            <a:ext cx="1336255" cy="369332"/>
+          </a:xfrm>
+          <a:prstGeom prst="rect">
+            <a:avLst/>
+          </a:prstGeom>
+          <a:noFill/>
+        </p:spPr>
+        <p:txBody>
+          <a:bodyPr wrap="square" rtlCol="0">
+            <a:spAutoFit/>
+          </a:bodyPr>
+          <a:lstStyle/>
+          <a:p>
+            <a:r>
+              <a:rPr lang="en-US" dirty="0"/>
+              <a:t>null </a:t>
+            </a:r>
+          </a:p>
+        </p:txBody>
+      </p:sp>
+      <p:sp>
+        <p:nvSpPr>
+          <p:cNvPr id="156" name="TextBox 155">
+            <a:extLst>
+              <a:ext uri="{FF2B5EF4-FFF2-40B4-BE49-F238E27FC236}">
+                <a16:creationId xmlns:a16="http://schemas.microsoft.com/office/drawing/2014/main" id="{8C1A98A2-AC5D-43A9-9EA2-2EEB98E503F8}"/>
+              </a:ext>
+            </a:extLst>
+          </p:cNvPr>
+          <p:cNvSpPr txBox="1"/>
+          <p:nvPr/>
+        </p:nvSpPr>
+        <p:spPr>
+          <a:xfrm>
+            <a:off x="2846473" y="3423182"/>
+            <a:ext cx="1073790" cy="369332"/>
+          </a:xfrm>
+          <a:prstGeom prst="rect">
+            <a:avLst/>
+          </a:prstGeom>
+          <a:noFill/>
+        </p:spPr>
+        <p:txBody>
+          <a:bodyPr wrap="square" rtlCol="0">
+            <a:spAutoFit/>
+          </a:bodyPr>
+          <a:lstStyle/>
+          <a:p>
+            <a:r>
+              <a:rPr lang="en-US" dirty="0"/>
+              <a:t>n = </a:t>
+            </a:r>
+          </a:p>
+        </p:txBody>
+      </p:sp>
+      <p:sp>
+        <p:nvSpPr>
+          <p:cNvPr id="185" name="TextBox 184">
+            <a:extLst>
+              <a:ext uri="{FF2B5EF4-FFF2-40B4-BE49-F238E27FC236}">
+                <a16:creationId xmlns:a16="http://schemas.microsoft.com/office/drawing/2014/main" id="{1CEB0EB9-397B-4831-9B1C-7ED5FE204563}"/>
+              </a:ext>
+            </a:extLst>
+          </p:cNvPr>
+          <p:cNvSpPr txBox="1"/>
+          <p:nvPr/>
+        </p:nvSpPr>
+        <p:spPr>
+          <a:xfrm>
+            <a:off x="2837987" y="2930474"/>
+            <a:ext cx="1336255" cy="369332"/>
+          </a:xfrm>
+          <a:prstGeom prst="rect">
+            <a:avLst/>
+          </a:prstGeom>
+          <a:noFill/>
+        </p:spPr>
+        <p:txBody>
+          <a:bodyPr wrap="square" rtlCol="0">
+            <a:spAutoFit/>
+          </a:bodyPr>
+          <a:lstStyle/>
+          <a:p>
+            <a:r>
+              <a:rPr lang="en-US" dirty="0"/>
+              <a:t>head =  </a:t>
+            </a:r>
+          </a:p>
+        </p:txBody>
+      </p:sp>
+      <p:sp>
+        <p:nvSpPr>
+          <p:cNvPr id="191" name="TextBox 190">
+            <a:extLst>
+              <a:ext uri="{FF2B5EF4-FFF2-40B4-BE49-F238E27FC236}">
+                <a16:creationId xmlns:a16="http://schemas.microsoft.com/office/drawing/2014/main" id="{165BE94D-AE4B-4411-B657-6EC0FFEA1414}"/>
+              </a:ext>
+            </a:extLst>
+          </p:cNvPr>
+          <p:cNvSpPr txBox="1"/>
+          <p:nvPr/>
+        </p:nvSpPr>
+        <p:spPr>
+          <a:xfrm>
+            <a:off x="2844884" y="3174798"/>
+            <a:ext cx="1543197" cy="369332"/>
+          </a:xfrm>
+          <a:prstGeom prst="rect">
+            <a:avLst/>
+          </a:prstGeom>
+          <a:noFill/>
+        </p:spPr>
+        <p:txBody>
+          <a:bodyPr wrap="square" rtlCol="0">
+            <a:spAutoFit/>
+          </a:bodyPr>
+          <a:lstStyle/>
+          <a:p>
+            <a:r>
+              <a:rPr lang="en-US" dirty="0" err="1"/>
+              <a:t>node.data</a:t>
+            </a:r>
+            <a:r>
+              <a:rPr lang="en-US" dirty="0"/>
+              <a:t> = 6</a:t>
+            </a:r>
+          </a:p>
+        </p:txBody>
+      </p:sp>
+      <p:sp>
+        <p:nvSpPr>
+          <p:cNvPr id="196" name="Rectangle 195">
+            <a:extLst>
+              <a:ext uri="{FF2B5EF4-FFF2-40B4-BE49-F238E27FC236}">
+                <a16:creationId xmlns:a16="http://schemas.microsoft.com/office/drawing/2014/main" id="{5C5C367B-A439-4986-B8E5-09ECFC09FE5E}"/>
+              </a:ext>
+            </a:extLst>
+          </p:cNvPr>
+          <p:cNvSpPr/>
+          <p:nvPr/>
+        </p:nvSpPr>
+        <p:spPr>
+          <a:xfrm>
+            <a:off x="3341618" y="3501008"/>
+            <a:ext cx="830510" cy="251886"/>
+          </a:xfrm>
+          <a:prstGeom prst="rect">
+            <a:avLst/>
+          </a:prstGeom>
+        </p:spPr>
+        <p:style>
+          <a:lnRef idx="2">
+            <a:schemeClr val="accent1">
+              <a:shade val="50000"/>
+            </a:schemeClr>
+          </a:lnRef>
+          <a:fillRef idx="1">
+            <a:schemeClr val="accent1"/>
+          </a:fillRef>
+          <a:effectRef idx="0">
+            <a:schemeClr val="accent1"/>
+          </a:effectRef>
+          <a:fontRef idx="minor">
+            <a:schemeClr val="lt1"/>
+          </a:fontRef>
+        </p:style>
+        <p:txBody>
+          <a:bodyPr rtlCol="0" anchor="ctr"/>
+          <a:lstStyle/>
+          <a:p>
+            <a:pPr algn="ctr"/>
+            <a:endParaRPr lang="en-US"/>
+          </a:p>
+        </p:txBody>
+      </p:sp>
+      <p:sp>
+        <p:nvSpPr>
+          <p:cNvPr id="197" name="Rectangle 196">
+            <a:extLst>
+              <a:ext uri="{FF2B5EF4-FFF2-40B4-BE49-F238E27FC236}">
+                <a16:creationId xmlns:a16="http://schemas.microsoft.com/office/drawing/2014/main" id="{EED90772-B4ED-4FBA-904F-1BAE437B89F1}"/>
+              </a:ext>
+            </a:extLst>
+          </p:cNvPr>
+          <p:cNvSpPr/>
+          <p:nvPr/>
+        </p:nvSpPr>
+        <p:spPr>
+          <a:xfrm>
+            <a:off x="3341618" y="3501007"/>
+            <a:ext cx="486560" cy="251887"/>
+          </a:xfrm>
+          <a:prstGeom prst="rect">
+            <a:avLst/>
+          </a:prstGeom>
+          <a:solidFill>
+            <a:schemeClr val="bg1"/>
+          </a:solidFill>
+        </p:spPr>
+        <p:style>
+          <a:lnRef idx="2">
+            <a:schemeClr val="accent1">
+              <a:shade val="50000"/>
+            </a:schemeClr>
+          </a:lnRef>
+          <a:fillRef idx="1">
+            <a:schemeClr val="accent1"/>
+          </a:fillRef>
+          <a:effectRef idx="0">
+            <a:schemeClr val="accent1"/>
+          </a:effectRef>
+          <a:fontRef idx="minor">
+            <a:schemeClr val="lt1"/>
+          </a:fontRef>
+        </p:style>
+        <p:txBody>
+          <a:bodyPr rtlCol="0" anchor="ctr"/>
+          <a:lstStyle/>
+          <a:p>
+            <a:pPr algn="ctr"/>
+            <a:endParaRPr lang="en-US"/>
+          </a:p>
+        </p:txBody>
+      </p:sp>
+      <p:cxnSp>
+        <p:nvCxnSpPr>
+          <p:cNvPr id="198" name="Straight Arrow Connector 197">
+            <a:extLst>
+              <a:ext uri="{FF2B5EF4-FFF2-40B4-BE49-F238E27FC236}">
+                <a16:creationId xmlns:a16="http://schemas.microsoft.com/office/drawing/2014/main" id="{20653844-7B5E-41F7-852D-AB81C869BB95}"/>
+              </a:ext>
+            </a:extLst>
+          </p:cNvPr>
+          <p:cNvCxnSpPr>
+            <a:stCxn id="196" idx="3"/>
+          </p:cNvCxnSpPr>
+          <p:nvPr/>
+        </p:nvCxnSpPr>
+        <p:spPr>
+          <a:xfrm flipV="1">
+            <a:off x="4172128" y="3626950"/>
+            <a:ext cx="385892" cy="1"/>
+          </a:xfrm>
+          <a:prstGeom prst="straightConnector1">
+            <a:avLst/>
+          </a:prstGeom>
+          <a:ln w="38100">
+            <a:tailEnd type="triangle"/>
+          </a:ln>
+        </p:spPr>
+        <p:style>
+          <a:lnRef idx="1">
+            <a:schemeClr val="accent1"/>
+          </a:lnRef>
+          <a:fillRef idx="0">
+            <a:schemeClr val="accent1"/>
+          </a:fillRef>
+          <a:effectRef idx="0">
+            <a:schemeClr val="accent1"/>
+          </a:effectRef>
+          <a:fontRef idx="minor">
+            <a:schemeClr val="tx1"/>
+          </a:fontRef>
+        </p:style>
+      </p:cxnSp>
+      <p:sp>
+        <p:nvSpPr>
+          <p:cNvPr id="199" name="TextBox 198">
+            <a:extLst>
+              <a:ext uri="{FF2B5EF4-FFF2-40B4-BE49-F238E27FC236}">
+                <a16:creationId xmlns:a16="http://schemas.microsoft.com/office/drawing/2014/main" id="{4056ADD7-8AE6-4A94-93AD-4960B3861BC0}"/>
+              </a:ext>
+            </a:extLst>
+          </p:cNvPr>
+          <p:cNvSpPr txBox="1"/>
+          <p:nvPr/>
+        </p:nvSpPr>
+        <p:spPr>
+          <a:xfrm>
+            <a:off x="3438093" y="3426324"/>
+            <a:ext cx="360726" cy="369332"/>
+          </a:xfrm>
+          <a:prstGeom prst="rect">
+            <a:avLst/>
+          </a:prstGeom>
+          <a:noFill/>
+        </p:spPr>
+        <p:txBody>
+          <a:bodyPr wrap="square" rtlCol="0">
+            <a:spAutoFit/>
+          </a:bodyPr>
+          <a:lstStyle/>
+          <a:p>
+            <a:r>
+              <a:rPr lang="en-US" dirty="0"/>
+              <a:t>6</a:t>
+            </a:r>
+          </a:p>
+        </p:txBody>
+      </p:sp>
+      <p:sp>
+        <p:nvSpPr>
+          <p:cNvPr id="200" name="TextBox 199">
+            <a:extLst>
+              <a:ext uri="{FF2B5EF4-FFF2-40B4-BE49-F238E27FC236}">
+                <a16:creationId xmlns:a16="http://schemas.microsoft.com/office/drawing/2014/main" id="{0F5D7843-AE12-448C-849D-816528C38C71}"/>
+              </a:ext>
+            </a:extLst>
+          </p:cNvPr>
+          <p:cNvSpPr txBox="1"/>
+          <p:nvPr/>
+        </p:nvSpPr>
+        <p:spPr>
+          <a:xfrm>
+            <a:off x="4843930" y="2914620"/>
+            <a:ext cx="1336255" cy="369332"/>
+          </a:xfrm>
+          <a:prstGeom prst="rect">
+            <a:avLst/>
+          </a:prstGeom>
+          <a:noFill/>
+        </p:spPr>
+        <p:txBody>
+          <a:bodyPr wrap="square" rtlCol="0">
+            <a:spAutoFit/>
+          </a:bodyPr>
+          <a:lstStyle/>
+          <a:p>
+            <a:r>
+              <a:rPr lang="en-US" dirty="0"/>
+              <a:t>null </a:t>
+            </a:r>
+          </a:p>
+        </p:txBody>
+      </p:sp>
+      <p:sp>
+        <p:nvSpPr>
+          <p:cNvPr id="202" name="Rectangle 201">
+            <a:extLst>
+              <a:ext uri="{FF2B5EF4-FFF2-40B4-BE49-F238E27FC236}">
+                <a16:creationId xmlns:a16="http://schemas.microsoft.com/office/drawing/2014/main" id="{3C57DA29-8537-4FD2-9F27-DC9DFF3EE517}"/>
+              </a:ext>
+            </a:extLst>
+          </p:cNvPr>
+          <p:cNvSpPr/>
+          <p:nvPr/>
+        </p:nvSpPr>
+        <p:spPr>
+          <a:xfrm>
+            <a:off x="3678576" y="3007455"/>
+            <a:ext cx="830510" cy="251886"/>
+          </a:xfrm>
+          <a:prstGeom prst="rect">
+            <a:avLst/>
+          </a:prstGeom>
+        </p:spPr>
+        <p:style>
+          <a:lnRef idx="2">
+            <a:schemeClr val="accent1">
+              <a:shade val="50000"/>
+            </a:schemeClr>
+          </a:lnRef>
+          <a:fillRef idx="1">
+            <a:schemeClr val="accent1"/>
+          </a:fillRef>
+          <a:effectRef idx="0">
+            <a:schemeClr val="accent1"/>
+          </a:effectRef>
+          <a:fontRef idx="minor">
+            <a:schemeClr val="lt1"/>
+          </a:fontRef>
+        </p:style>
+        <p:txBody>
+          <a:bodyPr rtlCol="0" anchor="ctr"/>
+          <a:lstStyle/>
+          <a:p>
+            <a:pPr algn="ctr"/>
+            <a:endParaRPr lang="en-US"/>
+          </a:p>
+        </p:txBody>
+      </p:sp>
+      <p:sp>
+        <p:nvSpPr>
+          <p:cNvPr id="203" name="Rectangle 202">
+            <a:extLst>
+              <a:ext uri="{FF2B5EF4-FFF2-40B4-BE49-F238E27FC236}">
+                <a16:creationId xmlns:a16="http://schemas.microsoft.com/office/drawing/2014/main" id="{3E3784EC-2EC5-4852-8B03-FD67F92F7FBC}"/>
+              </a:ext>
+            </a:extLst>
+          </p:cNvPr>
+          <p:cNvSpPr/>
+          <p:nvPr/>
+        </p:nvSpPr>
+        <p:spPr>
+          <a:xfrm>
+            <a:off x="3678576" y="3007454"/>
+            <a:ext cx="486560" cy="251887"/>
+          </a:xfrm>
+          <a:prstGeom prst="rect">
+            <a:avLst/>
+          </a:prstGeom>
+          <a:solidFill>
+            <a:schemeClr val="bg1"/>
+          </a:solidFill>
+        </p:spPr>
+        <p:style>
+          <a:lnRef idx="2">
+            <a:schemeClr val="accent1">
+              <a:shade val="50000"/>
+            </a:schemeClr>
+          </a:lnRef>
+          <a:fillRef idx="1">
+            <a:schemeClr val="accent1"/>
+          </a:fillRef>
+          <a:effectRef idx="0">
+            <a:schemeClr val="accent1"/>
+          </a:effectRef>
+          <a:fontRef idx="minor">
+            <a:schemeClr val="lt1"/>
+          </a:fontRef>
+        </p:style>
+        <p:txBody>
+          <a:bodyPr rtlCol="0" anchor="ctr"/>
+          <a:lstStyle/>
+          <a:p>
+            <a:pPr algn="ctr"/>
+            <a:endParaRPr lang="en-US"/>
+          </a:p>
+        </p:txBody>
+      </p:sp>
+      <p:cxnSp>
+        <p:nvCxnSpPr>
+          <p:cNvPr id="204" name="Straight Arrow Connector 203">
+            <a:extLst>
+              <a:ext uri="{FF2B5EF4-FFF2-40B4-BE49-F238E27FC236}">
+                <a16:creationId xmlns:a16="http://schemas.microsoft.com/office/drawing/2014/main" id="{B3304357-2CF9-49CE-8B65-31613B71B30C}"/>
+              </a:ext>
+            </a:extLst>
+          </p:cNvPr>
+          <p:cNvCxnSpPr>
+            <a:stCxn id="202" idx="3"/>
+          </p:cNvCxnSpPr>
+          <p:nvPr/>
+        </p:nvCxnSpPr>
+        <p:spPr>
+          <a:xfrm flipV="1">
+            <a:off x="4509086" y="3133397"/>
+            <a:ext cx="385892" cy="1"/>
+          </a:xfrm>
+          <a:prstGeom prst="straightConnector1">
+            <a:avLst/>
+          </a:prstGeom>
+          <a:ln w="38100">
+            <a:tailEnd type="triangle"/>
+          </a:ln>
+        </p:spPr>
+        <p:style>
+          <a:lnRef idx="1">
+            <a:schemeClr val="accent1"/>
+          </a:lnRef>
+          <a:fillRef idx="0">
+            <a:schemeClr val="accent1"/>
+          </a:fillRef>
+          <a:effectRef idx="0">
+            <a:schemeClr val="accent1"/>
+          </a:effectRef>
+          <a:fontRef idx="minor">
+            <a:schemeClr val="tx1"/>
+          </a:fontRef>
+        </p:style>
+      </p:cxnSp>
+      <p:sp>
+        <p:nvSpPr>
+          <p:cNvPr id="205" name="TextBox 204">
+            <a:extLst>
+              <a:ext uri="{FF2B5EF4-FFF2-40B4-BE49-F238E27FC236}">
+                <a16:creationId xmlns:a16="http://schemas.microsoft.com/office/drawing/2014/main" id="{D74A1823-1BDC-4AC4-9CD5-A03E527DA5EA}"/>
+              </a:ext>
+            </a:extLst>
+          </p:cNvPr>
+          <p:cNvSpPr txBox="1"/>
+          <p:nvPr/>
+        </p:nvSpPr>
+        <p:spPr>
+          <a:xfrm>
+            <a:off x="3764580" y="2940952"/>
+            <a:ext cx="360726" cy="369332"/>
+          </a:xfrm>
+          <a:prstGeom prst="rect">
+            <a:avLst/>
+          </a:prstGeom>
+          <a:noFill/>
+        </p:spPr>
+        <p:txBody>
+          <a:bodyPr wrap="square" rtlCol="0">
+            <a:spAutoFit/>
+          </a:bodyPr>
+          <a:lstStyle/>
+          <a:p>
+            <a:r>
+              <a:rPr lang="en-US" dirty="0"/>
+              <a:t>3</a:t>
+            </a:r>
+          </a:p>
+        </p:txBody>
+      </p:sp>
+      <p:sp>
+        <p:nvSpPr>
+          <p:cNvPr id="206" name="Rectangle 205">
+            <a:extLst>
+              <a:ext uri="{FF2B5EF4-FFF2-40B4-BE49-F238E27FC236}">
+                <a16:creationId xmlns:a16="http://schemas.microsoft.com/office/drawing/2014/main" id="{A163249D-4911-491F-A5AD-9B479022B3D8}"/>
+              </a:ext>
+            </a:extLst>
+          </p:cNvPr>
+          <p:cNvSpPr/>
+          <p:nvPr/>
+        </p:nvSpPr>
+        <p:spPr>
+          <a:xfrm>
+            <a:off x="4552429" y="3501008"/>
+            <a:ext cx="830510" cy="251886"/>
+          </a:xfrm>
+          <a:prstGeom prst="rect">
+            <a:avLst/>
+          </a:prstGeom>
+        </p:spPr>
+        <p:style>
+          <a:lnRef idx="2">
+            <a:schemeClr val="accent1">
+              <a:shade val="50000"/>
+            </a:schemeClr>
+          </a:lnRef>
+          <a:fillRef idx="1">
+            <a:schemeClr val="accent1"/>
+          </a:fillRef>
+          <a:effectRef idx="0">
+            <a:schemeClr val="accent1"/>
+          </a:effectRef>
+          <a:fontRef idx="minor">
+            <a:schemeClr val="lt1"/>
+          </a:fontRef>
+        </p:style>
+        <p:txBody>
+          <a:bodyPr rtlCol="0" anchor="ctr"/>
+          <a:lstStyle/>
+          <a:p>
+            <a:pPr algn="ctr"/>
+            <a:endParaRPr lang="en-US"/>
+          </a:p>
+        </p:txBody>
+      </p:sp>
+      <p:sp>
+        <p:nvSpPr>
+          <p:cNvPr id="207" name="Rectangle 206">
+            <a:extLst>
+              <a:ext uri="{FF2B5EF4-FFF2-40B4-BE49-F238E27FC236}">
+                <a16:creationId xmlns:a16="http://schemas.microsoft.com/office/drawing/2014/main" id="{80B2AF85-42E1-4576-B238-3380D56F7B70}"/>
+              </a:ext>
+            </a:extLst>
+          </p:cNvPr>
+          <p:cNvSpPr/>
+          <p:nvPr/>
+        </p:nvSpPr>
+        <p:spPr>
+          <a:xfrm>
+            <a:off x="4552429" y="3501007"/>
+            <a:ext cx="486560" cy="251887"/>
+          </a:xfrm>
+          <a:prstGeom prst="rect">
+            <a:avLst/>
+          </a:prstGeom>
+          <a:solidFill>
+            <a:schemeClr val="bg1"/>
+          </a:solidFill>
+        </p:spPr>
+        <p:style>
+          <a:lnRef idx="2">
+            <a:schemeClr val="accent1">
+              <a:shade val="50000"/>
+            </a:schemeClr>
+          </a:lnRef>
+          <a:fillRef idx="1">
+            <a:schemeClr val="accent1"/>
+          </a:fillRef>
+          <a:effectRef idx="0">
+            <a:schemeClr val="accent1"/>
+          </a:effectRef>
+          <a:fontRef idx="minor">
+            <a:schemeClr val="lt1"/>
+          </a:fontRef>
+        </p:style>
+        <p:txBody>
+          <a:bodyPr rtlCol="0" anchor="ctr"/>
+          <a:lstStyle/>
+          <a:p>
+            <a:pPr algn="ctr"/>
+            <a:endParaRPr lang="en-US"/>
+          </a:p>
+        </p:txBody>
+      </p:sp>
+      <p:cxnSp>
+        <p:nvCxnSpPr>
+          <p:cNvPr id="208" name="Straight Arrow Connector 207">
+            <a:extLst>
+              <a:ext uri="{FF2B5EF4-FFF2-40B4-BE49-F238E27FC236}">
+                <a16:creationId xmlns:a16="http://schemas.microsoft.com/office/drawing/2014/main" id="{74A09675-ED34-4CAB-89AF-36D02FEC48CC}"/>
+              </a:ext>
+            </a:extLst>
+          </p:cNvPr>
+          <p:cNvCxnSpPr>
+            <a:stCxn id="206" idx="3"/>
+          </p:cNvCxnSpPr>
+          <p:nvPr/>
+        </p:nvCxnSpPr>
+        <p:spPr>
+          <a:xfrm flipV="1">
+            <a:off x="5382939" y="3626950"/>
+            <a:ext cx="385892" cy="1"/>
+          </a:xfrm>
+          <a:prstGeom prst="straightConnector1">
+            <a:avLst/>
+          </a:prstGeom>
+          <a:ln w="38100">
+            <a:tailEnd type="triangle"/>
+          </a:ln>
+        </p:spPr>
+        <p:style>
+          <a:lnRef idx="1">
+            <a:schemeClr val="accent1"/>
+          </a:lnRef>
+          <a:fillRef idx="0">
+            <a:schemeClr val="accent1"/>
+          </a:fillRef>
+          <a:effectRef idx="0">
+            <a:schemeClr val="accent1"/>
+          </a:effectRef>
+          <a:fontRef idx="minor">
+            <a:schemeClr val="tx1"/>
+          </a:fontRef>
+        </p:style>
+      </p:cxnSp>
+      <p:sp>
+        <p:nvSpPr>
+          <p:cNvPr id="209" name="TextBox 208">
+            <a:extLst>
+              <a:ext uri="{FF2B5EF4-FFF2-40B4-BE49-F238E27FC236}">
+                <a16:creationId xmlns:a16="http://schemas.microsoft.com/office/drawing/2014/main" id="{A2D84A71-898A-48CD-BEE3-EEB8F620251D}"/>
+              </a:ext>
+            </a:extLst>
+          </p:cNvPr>
+          <p:cNvSpPr txBox="1"/>
+          <p:nvPr/>
+        </p:nvSpPr>
+        <p:spPr>
+          <a:xfrm>
+            <a:off x="4638433" y="3434505"/>
+            <a:ext cx="360726" cy="369332"/>
+          </a:xfrm>
+          <a:prstGeom prst="rect">
+            <a:avLst/>
+          </a:prstGeom>
+          <a:noFill/>
+        </p:spPr>
+        <p:txBody>
+          <a:bodyPr wrap="square" rtlCol="0">
+            <a:spAutoFit/>
+          </a:bodyPr>
+          <a:lstStyle/>
+          <a:p>
+            <a:r>
+              <a:rPr lang="en-US" dirty="0"/>
+              <a:t>3</a:t>
+            </a:r>
+          </a:p>
+        </p:txBody>
+      </p:sp>
+      <p:sp>
+        <p:nvSpPr>
+          <p:cNvPr id="210" name="TextBox 209">
+            <a:extLst>
+              <a:ext uri="{FF2B5EF4-FFF2-40B4-BE49-F238E27FC236}">
+                <a16:creationId xmlns:a16="http://schemas.microsoft.com/office/drawing/2014/main" id="{591D5990-FC33-4FFE-AF6C-76E4A2E4495D}"/>
+              </a:ext>
+            </a:extLst>
+          </p:cNvPr>
+          <p:cNvSpPr txBox="1"/>
+          <p:nvPr/>
+        </p:nvSpPr>
+        <p:spPr>
+          <a:xfrm>
+            <a:off x="5726823" y="3423182"/>
+            <a:ext cx="1336255" cy="369332"/>
+          </a:xfrm>
+          <a:prstGeom prst="rect">
+            <a:avLst/>
+          </a:prstGeom>
+          <a:noFill/>
+        </p:spPr>
+        <p:txBody>
+          <a:bodyPr wrap="square" rtlCol="0">
+            <a:spAutoFit/>
+          </a:bodyPr>
+          <a:lstStyle/>
+          <a:p>
+            <a:r>
+              <a:rPr lang="en-US" dirty="0"/>
+              <a:t>null </a:t>
+            </a:r>
+          </a:p>
+        </p:txBody>
+      </p:sp>
+      <p:sp>
+        <p:nvSpPr>
+          <p:cNvPr id="201" name="Multiplication Sign 200">
+            <a:extLst>
+              <a:ext uri="{FF2B5EF4-FFF2-40B4-BE49-F238E27FC236}">
+                <a16:creationId xmlns:a16="http://schemas.microsoft.com/office/drawing/2014/main" id="{4B97EC2B-AB74-4441-8643-B206EFDA50A8}"/>
+              </a:ext>
+            </a:extLst>
+          </p:cNvPr>
+          <p:cNvSpPr/>
+          <p:nvPr/>
+        </p:nvSpPr>
+        <p:spPr>
+          <a:xfrm>
+            <a:off x="4082542" y="2877728"/>
+            <a:ext cx="873853" cy="287797"/>
+          </a:xfrm>
+          <a:prstGeom prst="mathMultiply">
+            <a:avLst/>
+          </a:prstGeom>
+          <a:solidFill>
+            <a:srgbClr val="FF0000"/>
+          </a:solidFill>
+          <a:ln>
+            <a:solidFill>
+              <a:schemeClr val="bg1"/>
+            </a:solidFill>
+          </a:ln>
+        </p:spPr>
+        <p:style>
+          <a:lnRef idx="2">
+            <a:schemeClr val="accent1">
+              <a:shade val="50000"/>
+            </a:schemeClr>
+          </a:lnRef>
+          <a:fillRef idx="1">
+            <a:schemeClr val="accent1"/>
+          </a:fillRef>
+          <a:effectRef idx="0">
+            <a:schemeClr val="accent1"/>
+          </a:effectRef>
+          <a:fontRef idx="minor">
+            <a:schemeClr val="lt1"/>
+          </a:fontRef>
+        </p:style>
+        <p:txBody>
+          <a:bodyPr rtlCol="0" anchor="ctr"/>
+          <a:lstStyle/>
+          <a:p>
+            <a:pPr algn="ctr"/>
+            <a:endParaRPr lang="en-US"/>
+          </a:p>
+        </p:txBody>
+      </p:sp>
+      <p:sp>
+        <p:nvSpPr>
+          <p:cNvPr id="211" name="Rectangle 210">
+            <a:extLst>
+              <a:ext uri="{FF2B5EF4-FFF2-40B4-BE49-F238E27FC236}">
+                <a16:creationId xmlns:a16="http://schemas.microsoft.com/office/drawing/2014/main" id="{DD0587F6-0192-4E5E-A8E4-411DDBE2E936}"/>
+              </a:ext>
+            </a:extLst>
+          </p:cNvPr>
+          <p:cNvSpPr/>
+          <p:nvPr/>
+        </p:nvSpPr>
+        <p:spPr>
+          <a:xfrm>
+            <a:off x="5439633" y="3014650"/>
+            <a:ext cx="830510" cy="251886"/>
+          </a:xfrm>
+          <a:prstGeom prst="rect">
+            <a:avLst/>
+          </a:prstGeom>
+        </p:spPr>
+        <p:style>
+          <a:lnRef idx="2">
+            <a:schemeClr val="accent1">
+              <a:shade val="50000"/>
+            </a:schemeClr>
+          </a:lnRef>
+          <a:fillRef idx="1">
+            <a:schemeClr val="accent1"/>
+          </a:fillRef>
+          <a:effectRef idx="0">
+            <a:schemeClr val="accent1"/>
+          </a:effectRef>
+          <a:fontRef idx="minor">
+            <a:schemeClr val="lt1"/>
+          </a:fontRef>
+        </p:style>
+        <p:txBody>
+          <a:bodyPr rtlCol="0" anchor="ctr"/>
+          <a:lstStyle/>
+          <a:p>
+            <a:pPr algn="ctr"/>
+            <a:endParaRPr lang="en-US"/>
+          </a:p>
+        </p:txBody>
+      </p:sp>
+      <p:sp>
+        <p:nvSpPr>
+          <p:cNvPr id="212" name="Rectangle 211">
+            <a:extLst>
+              <a:ext uri="{FF2B5EF4-FFF2-40B4-BE49-F238E27FC236}">
+                <a16:creationId xmlns:a16="http://schemas.microsoft.com/office/drawing/2014/main" id="{8FF52AD8-AA85-4B6E-BF4A-987ECEA3F20F}"/>
+              </a:ext>
+            </a:extLst>
+          </p:cNvPr>
+          <p:cNvSpPr/>
+          <p:nvPr/>
+        </p:nvSpPr>
+        <p:spPr>
+          <a:xfrm>
+            <a:off x="5439633" y="3014649"/>
+            <a:ext cx="486560" cy="251887"/>
+          </a:xfrm>
+          <a:prstGeom prst="rect">
+            <a:avLst/>
+          </a:prstGeom>
+          <a:solidFill>
+            <a:schemeClr val="bg1"/>
+          </a:solidFill>
+        </p:spPr>
+        <p:style>
+          <a:lnRef idx="2">
+            <a:schemeClr val="accent1">
+              <a:shade val="50000"/>
+            </a:schemeClr>
+          </a:lnRef>
+          <a:fillRef idx="1">
+            <a:schemeClr val="accent1"/>
+          </a:fillRef>
+          <a:effectRef idx="0">
+            <a:schemeClr val="accent1"/>
+          </a:effectRef>
+          <a:fontRef idx="minor">
+            <a:schemeClr val="lt1"/>
+          </a:fontRef>
+        </p:style>
+        <p:txBody>
+          <a:bodyPr rtlCol="0" anchor="ctr"/>
+          <a:lstStyle/>
+          <a:p>
+            <a:pPr algn="ctr"/>
+            <a:endParaRPr lang="en-US"/>
+          </a:p>
+        </p:txBody>
+      </p:sp>
+      <p:cxnSp>
+        <p:nvCxnSpPr>
+          <p:cNvPr id="213" name="Straight Arrow Connector 212">
+            <a:extLst>
+              <a:ext uri="{FF2B5EF4-FFF2-40B4-BE49-F238E27FC236}">
+                <a16:creationId xmlns:a16="http://schemas.microsoft.com/office/drawing/2014/main" id="{EB55C526-D9AB-4BCE-A584-F362596763FA}"/>
+              </a:ext>
+            </a:extLst>
+          </p:cNvPr>
+          <p:cNvCxnSpPr>
+            <a:stCxn id="211" idx="3"/>
+          </p:cNvCxnSpPr>
+          <p:nvPr/>
+        </p:nvCxnSpPr>
+        <p:spPr>
+          <a:xfrm flipV="1">
+            <a:off x="6270143" y="3140592"/>
+            <a:ext cx="385892" cy="1"/>
+          </a:xfrm>
+          <a:prstGeom prst="straightConnector1">
+            <a:avLst/>
+          </a:prstGeom>
+          <a:ln w="38100">
+            <a:tailEnd type="triangle"/>
+          </a:ln>
+        </p:spPr>
+        <p:style>
+          <a:lnRef idx="1">
+            <a:schemeClr val="accent1"/>
+          </a:lnRef>
+          <a:fillRef idx="0">
+            <a:schemeClr val="accent1"/>
+          </a:fillRef>
+          <a:effectRef idx="0">
+            <a:schemeClr val="accent1"/>
+          </a:effectRef>
+          <a:fontRef idx="minor">
+            <a:schemeClr val="tx1"/>
+          </a:fontRef>
+        </p:style>
+      </p:cxnSp>
+      <p:sp>
+        <p:nvSpPr>
+          <p:cNvPr id="214" name="Rectangle 213">
+            <a:extLst>
+              <a:ext uri="{FF2B5EF4-FFF2-40B4-BE49-F238E27FC236}">
+                <a16:creationId xmlns:a16="http://schemas.microsoft.com/office/drawing/2014/main" id="{D7EECC15-979A-42B8-A493-B000D1A3E51C}"/>
+              </a:ext>
+            </a:extLst>
+          </p:cNvPr>
+          <p:cNvSpPr/>
+          <p:nvPr/>
+        </p:nvSpPr>
+        <p:spPr>
+          <a:xfrm>
+            <a:off x="6650444" y="3014650"/>
+            <a:ext cx="830510" cy="251886"/>
+          </a:xfrm>
+          <a:prstGeom prst="rect">
+            <a:avLst/>
+          </a:prstGeom>
+        </p:spPr>
+        <p:style>
+          <a:lnRef idx="2">
+            <a:schemeClr val="accent1">
+              <a:shade val="50000"/>
+            </a:schemeClr>
+          </a:lnRef>
+          <a:fillRef idx="1">
+            <a:schemeClr val="accent1"/>
+          </a:fillRef>
+          <a:effectRef idx="0">
+            <a:schemeClr val="accent1"/>
+          </a:effectRef>
+          <a:fontRef idx="minor">
+            <a:schemeClr val="lt1"/>
+          </a:fontRef>
+        </p:style>
+        <p:txBody>
+          <a:bodyPr rtlCol="0" anchor="ctr"/>
+          <a:lstStyle/>
+          <a:p>
+            <a:pPr algn="ctr"/>
+            <a:endParaRPr lang="en-US"/>
+          </a:p>
+        </p:txBody>
+      </p:sp>
+      <p:sp>
+        <p:nvSpPr>
+          <p:cNvPr id="215" name="Rectangle 214">
+            <a:extLst>
+              <a:ext uri="{FF2B5EF4-FFF2-40B4-BE49-F238E27FC236}">
+                <a16:creationId xmlns:a16="http://schemas.microsoft.com/office/drawing/2014/main" id="{205E4EC1-531F-4445-9DD1-243B989D22F7}"/>
+              </a:ext>
+            </a:extLst>
+          </p:cNvPr>
+          <p:cNvSpPr/>
+          <p:nvPr/>
+        </p:nvSpPr>
+        <p:spPr>
+          <a:xfrm>
+            <a:off x="6650444" y="3014649"/>
+            <a:ext cx="486560" cy="251887"/>
+          </a:xfrm>
+          <a:prstGeom prst="rect">
+            <a:avLst/>
+          </a:prstGeom>
+          <a:solidFill>
+            <a:schemeClr val="bg1"/>
+          </a:solidFill>
+        </p:spPr>
+        <p:style>
+          <a:lnRef idx="2">
+            <a:schemeClr val="accent1">
+              <a:shade val="50000"/>
+            </a:schemeClr>
+          </a:lnRef>
+          <a:fillRef idx="1">
+            <a:schemeClr val="accent1"/>
+          </a:fillRef>
+          <a:effectRef idx="0">
+            <a:schemeClr val="accent1"/>
+          </a:effectRef>
+          <a:fontRef idx="minor">
+            <a:schemeClr val="lt1"/>
+          </a:fontRef>
+        </p:style>
+        <p:txBody>
+          <a:bodyPr rtlCol="0" anchor="ctr"/>
+          <a:lstStyle/>
+          <a:p>
+            <a:pPr algn="ctr"/>
+            <a:endParaRPr lang="en-US"/>
+          </a:p>
+        </p:txBody>
+      </p:sp>
+      <p:cxnSp>
+        <p:nvCxnSpPr>
+          <p:cNvPr id="222" name="Straight Arrow Connector 221">
+            <a:extLst>
+              <a:ext uri="{FF2B5EF4-FFF2-40B4-BE49-F238E27FC236}">
+                <a16:creationId xmlns:a16="http://schemas.microsoft.com/office/drawing/2014/main" id="{D2ED2967-A244-49F8-91F5-C44DD2B78FC3}"/>
+              </a:ext>
+            </a:extLst>
+          </p:cNvPr>
+          <p:cNvCxnSpPr>
+            <a:stCxn id="214" idx="3"/>
+          </p:cNvCxnSpPr>
+          <p:nvPr/>
+        </p:nvCxnSpPr>
+        <p:spPr>
+          <a:xfrm flipV="1">
+            <a:off x="7480954" y="3140592"/>
+            <a:ext cx="385892" cy="1"/>
+          </a:xfrm>
+          <a:prstGeom prst="straightConnector1">
+            <a:avLst/>
+          </a:prstGeom>
+          <a:ln w="38100">
+            <a:tailEnd type="triangle"/>
+          </a:ln>
+        </p:spPr>
+        <p:style>
+          <a:lnRef idx="1">
+            <a:schemeClr val="accent1"/>
+          </a:lnRef>
+          <a:fillRef idx="0">
+            <a:schemeClr val="accent1"/>
+          </a:fillRef>
+          <a:effectRef idx="0">
+            <a:schemeClr val="accent1"/>
+          </a:effectRef>
+          <a:fontRef idx="minor">
+            <a:schemeClr val="tx1"/>
+          </a:fontRef>
+        </p:style>
+      </p:cxnSp>
+      <p:sp>
+        <p:nvSpPr>
+          <p:cNvPr id="223" name="TextBox 222">
+            <a:extLst>
+              <a:ext uri="{FF2B5EF4-FFF2-40B4-BE49-F238E27FC236}">
+                <a16:creationId xmlns:a16="http://schemas.microsoft.com/office/drawing/2014/main" id="{244A235B-573C-41C3-B8A8-D91A4D363E0B}"/>
+              </a:ext>
+            </a:extLst>
+          </p:cNvPr>
+          <p:cNvSpPr txBox="1"/>
+          <p:nvPr/>
+        </p:nvSpPr>
+        <p:spPr>
+          <a:xfrm>
+            <a:off x="5502550" y="2930474"/>
+            <a:ext cx="360726" cy="369332"/>
+          </a:xfrm>
+          <a:prstGeom prst="rect">
+            <a:avLst/>
+          </a:prstGeom>
+          <a:noFill/>
+        </p:spPr>
+        <p:txBody>
+          <a:bodyPr wrap="square" rtlCol="0">
+            <a:spAutoFit/>
+          </a:bodyPr>
+          <a:lstStyle/>
+          <a:p>
+            <a:r>
+              <a:rPr lang="en-US" dirty="0"/>
+              <a:t>6</a:t>
+            </a:r>
+          </a:p>
+        </p:txBody>
+      </p:sp>
+      <p:sp>
+        <p:nvSpPr>
+          <p:cNvPr id="224" name="TextBox 223">
+            <a:extLst>
+              <a:ext uri="{FF2B5EF4-FFF2-40B4-BE49-F238E27FC236}">
+                <a16:creationId xmlns:a16="http://schemas.microsoft.com/office/drawing/2014/main" id="{443ED2F3-2500-4176-9B77-3AB9B0E9546F}"/>
+              </a:ext>
+            </a:extLst>
+          </p:cNvPr>
+          <p:cNvSpPr txBox="1"/>
+          <p:nvPr/>
+        </p:nvSpPr>
+        <p:spPr>
+          <a:xfrm>
+            <a:off x="6716156" y="2930474"/>
+            <a:ext cx="360726" cy="369332"/>
+          </a:xfrm>
+          <a:prstGeom prst="rect">
+            <a:avLst/>
+          </a:prstGeom>
+          <a:noFill/>
+        </p:spPr>
+        <p:txBody>
+          <a:bodyPr wrap="square" rtlCol="0">
+            <a:spAutoFit/>
+          </a:bodyPr>
+          <a:lstStyle/>
+          <a:p>
+            <a:r>
+              <a:rPr lang="en-US" dirty="0"/>
+              <a:t>3</a:t>
+            </a:r>
+          </a:p>
+        </p:txBody>
+      </p:sp>
+      <p:sp>
+        <p:nvSpPr>
+          <p:cNvPr id="225" name="TextBox 224">
+            <a:extLst>
+              <a:ext uri="{FF2B5EF4-FFF2-40B4-BE49-F238E27FC236}">
+                <a16:creationId xmlns:a16="http://schemas.microsoft.com/office/drawing/2014/main" id="{251F3179-F68A-49E6-BD68-E7FA08ED8508}"/>
+              </a:ext>
+            </a:extLst>
+          </p:cNvPr>
+          <p:cNvSpPr txBox="1"/>
+          <p:nvPr/>
+        </p:nvSpPr>
+        <p:spPr>
+          <a:xfrm>
+            <a:off x="7926967" y="2930474"/>
+            <a:ext cx="1336255" cy="369332"/>
+          </a:xfrm>
+          <a:prstGeom prst="rect">
+            <a:avLst/>
+          </a:prstGeom>
+          <a:noFill/>
+        </p:spPr>
+        <p:txBody>
+          <a:bodyPr wrap="square" rtlCol="0">
+            <a:spAutoFit/>
+          </a:bodyPr>
+          <a:lstStyle/>
+          <a:p>
+            <a:r>
+              <a:rPr lang="en-US" dirty="0"/>
+              <a:t>null </a:t>
+            </a:r>
+          </a:p>
+        </p:txBody>
+      </p:sp>
+      <p:cxnSp>
+        <p:nvCxnSpPr>
+          <p:cNvPr id="226" name="Straight Arrow Connector 225">
+            <a:extLst>
+              <a:ext uri="{FF2B5EF4-FFF2-40B4-BE49-F238E27FC236}">
+                <a16:creationId xmlns:a16="http://schemas.microsoft.com/office/drawing/2014/main" id="{F8B06BEF-ECE2-4F73-9ECC-5A099D093BA8}"/>
+              </a:ext>
+            </a:extLst>
+          </p:cNvPr>
+          <p:cNvCxnSpPr>
+            <a:cxnSpLocks/>
+          </p:cNvCxnSpPr>
+          <p:nvPr/>
+        </p:nvCxnSpPr>
+        <p:spPr>
+          <a:xfrm>
+            <a:off x="3920263" y="4005555"/>
+            <a:ext cx="659219" cy="599270"/>
+          </a:xfrm>
+          <a:prstGeom prst="straightConnector1">
+            <a:avLst/>
+          </a:prstGeom>
+          <a:ln>
+            <a:tailEnd type="triangle"/>
+          </a:ln>
+        </p:spPr>
+        <p:style>
+          <a:lnRef idx="1">
+            <a:schemeClr val="accent1"/>
+          </a:lnRef>
+          <a:fillRef idx="0">
+            <a:schemeClr val="accent1"/>
+          </a:fillRef>
+          <a:effectRef idx="0">
+            <a:schemeClr val="accent1"/>
+          </a:effectRef>
+          <a:fontRef idx="minor">
+            <a:schemeClr val="tx1"/>
+          </a:fontRef>
+        </p:style>
+      </p:cxnSp>
+      <p:sp>
+        <p:nvSpPr>
+          <p:cNvPr id="227" name="Rectangle 226">
+            <a:extLst>
+              <a:ext uri="{FF2B5EF4-FFF2-40B4-BE49-F238E27FC236}">
+                <a16:creationId xmlns:a16="http://schemas.microsoft.com/office/drawing/2014/main" id="{04BC7589-1C76-486C-A4D3-FFB106DE7F8C}"/>
+              </a:ext>
+            </a:extLst>
+          </p:cNvPr>
+          <p:cNvSpPr/>
+          <p:nvPr/>
+        </p:nvSpPr>
+        <p:spPr>
+          <a:xfrm>
+            <a:off x="5117097" y="5529734"/>
+            <a:ext cx="830510" cy="251886"/>
+          </a:xfrm>
+          <a:prstGeom prst="rect">
+            <a:avLst/>
+          </a:prstGeom>
+        </p:spPr>
+        <p:style>
+          <a:lnRef idx="2">
+            <a:schemeClr val="accent1">
+              <a:shade val="50000"/>
+            </a:schemeClr>
+          </a:lnRef>
+          <a:fillRef idx="1">
+            <a:schemeClr val="accent1"/>
+          </a:fillRef>
+          <a:effectRef idx="0">
+            <a:schemeClr val="accent1"/>
+          </a:effectRef>
+          <a:fontRef idx="minor">
+            <a:schemeClr val="lt1"/>
+          </a:fontRef>
+        </p:style>
+        <p:txBody>
+          <a:bodyPr rtlCol="0" anchor="ctr"/>
+          <a:lstStyle/>
+          <a:p>
+            <a:pPr algn="ctr"/>
+            <a:endParaRPr lang="en-US"/>
+          </a:p>
+        </p:txBody>
+      </p:sp>
+      <p:sp>
+        <p:nvSpPr>
+          <p:cNvPr id="228" name="Rectangle 227">
+            <a:extLst>
+              <a:ext uri="{FF2B5EF4-FFF2-40B4-BE49-F238E27FC236}">
+                <a16:creationId xmlns:a16="http://schemas.microsoft.com/office/drawing/2014/main" id="{E7880FED-3B5B-44CE-8BFB-255E5C9058C3}"/>
+              </a:ext>
+            </a:extLst>
+          </p:cNvPr>
+          <p:cNvSpPr/>
+          <p:nvPr/>
+        </p:nvSpPr>
+        <p:spPr>
+          <a:xfrm>
+            <a:off x="5117097" y="5529733"/>
+            <a:ext cx="486560" cy="251887"/>
+          </a:xfrm>
+          <a:prstGeom prst="rect">
+            <a:avLst/>
+          </a:prstGeom>
+          <a:solidFill>
+            <a:schemeClr val="bg1"/>
+          </a:solidFill>
+        </p:spPr>
+        <p:style>
+          <a:lnRef idx="2">
+            <a:schemeClr val="accent1">
+              <a:shade val="50000"/>
+            </a:schemeClr>
+          </a:lnRef>
+          <a:fillRef idx="1">
+            <a:schemeClr val="accent1"/>
+          </a:fillRef>
+          <a:effectRef idx="0">
+            <a:schemeClr val="accent1"/>
+          </a:effectRef>
+          <a:fontRef idx="minor">
+            <a:schemeClr val="lt1"/>
+          </a:fontRef>
+        </p:style>
+        <p:txBody>
+          <a:bodyPr rtlCol="0" anchor="ctr"/>
+          <a:lstStyle/>
+          <a:p>
+            <a:pPr algn="ctr"/>
+            <a:endParaRPr lang="en-US"/>
+          </a:p>
+        </p:txBody>
+      </p:sp>
+      <p:cxnSp>
+        <p:nvCxnSpPr>
+          <p:cNvPr id="229" name="Straight Arrow Connector 228">
+            <a:extLst>
+              <a:ext uri="{FF2B5EF4-FFF2-40B4-BE49-F238E27FC236}">
+                <a16:creationId xmlns:a16="http://schemas.microsoft.com/office/drawing/2014/main" id="{0DB9DD8F-17CC-484A-956F-399BA1F3A283}"/>
+              </a:ext>
+            </a:extLst>
+          </p:cNvPr>
+          <p:cNvCxnSpPr>
+            <a:stCxn id="227" idx="3"/>
+          </p:cNvCxnSpPr>
+          <p:nvPr/>
+        </p:nvCxnSpPr>
+        <p:spPr>
+          <a:xfrm flipV="1">
+            <a:off x="5947607" y="5655676"/>
+            <a:ext cx="385892" cy="1"/>
+          </a:xfrm>
+          <a:prstGeom prst="straightConnector1">
+            <a:avLst/>
+          </a:prstGeom>
+          <a:ln w="38100">
+            <a:tailEnd type="triangle"/>
+          </a:ln>
+        </p:spPr>
+        <p:style>
+          <a:lnRef idx="1">
+            <a:schemeClr val="accent1"/>
+          </a:lnRef>
+          <a:fillRef idx="0">
+            <a:schemeClr val="accent1"/>
+          </a:fillRef>
+          <a:effectRef idx="0">
+            <a:schemeClr val="accent1"/>
+          </a:effectRef>
+          <a:fontRef idx="minor">
+            <a:schemeClr val="tx1"/>
+          </a:fontRef>
+        </p:style>
+      </p:cxnSp>
+      <p:sp>
+        <p:nvSpPr>
+          <p:cNvPr id="230" name="TextBox 229">
+            <a:extLst>
+              <a:ext uri="{FF2B5EF4-FFF2-40B4-BE49-F238E27FC236}">
+                <a16:creationId xmlns:a16="http://schemas.microsoft.com/office/drawing/2014/main" id="{3546C04F-6DE7-4158-B7B8-B33B342BE430}"/>
+              </a:ext>
+            </a:extLst>
+          </p:cNvPr>
+          <p:cNvSpPr txBox="1"/>
+          <p:nvPr/>
+        </p:nvSpPr>
+        <p:spPr>
+          <a:xfrm>
+            <a:off x="5210140" y="5467890"/>
+            <a:ext cx="360726" cy="369332"/>
+          </a:xfrm>
+          <a:prstGeom prst="rect">
+            <a:avLst/>
+          </a:prstGeom>
+          <a:noFill/>
+        </p:spPr>
+        <p:txBody>
+          <a:bodyPr wrap="square" rtlCol="0">
+            <a:spAutoFit/>
+          </a:bodyPr>
+          <a:lstStyle/>
+          <a:p>
+            <a:r>
+              <a:rPr lang="en-US" dirty="0"/>
+              <a:t>6</a:t>
+            </a:r>
+          </a:p>
+        </p:txBody>
+      </p:sp>
+      <p:sp>
+        <p:nvSpPr>
+          <p:cNvPr id="255" name="Rectangle 254">
+            <a:extLst>
+              <a:ext uri="{FF2B5EF4-FFF2-40B4-BE49-F238E27FC236}">
+                <a16:creationId xmlns:a16="http://schemas.microsoft.com/office/drawing/2014/main" id="{1FFC21CF-0974-4141-AECB-FC1DF1D36FC1}"/>
+              </a:ext>
+            </a:extLst>
+          </p:cNvPr>
+          <p:cNvSpPr/>
+          <p:nvPr/>
+        </p:nvSpPr>
+        <p:spPr>
+          <a:xfrm>
+            <a:off x="6327908" y="5529734"/>
+            <a:ext cx="830510" cy="251886"/>
+          </a:xfrm>
+          <a:prstGeom prst="rect">
+            <a:avLst/>
+          </a:prstGeom>
+        </p:spPr>
+        <p:style>
+          <a:lnRef idx="2">
+            <a:schemeClr val="accent1">
+              <a:shade val="50000"/>
+            </a:schemeClr>
+          </a:lnRef>
+          <a:fillRef idx="1">
+            <a:schemeClr val="accent1"/>
+          </a:fillRef>
+          <a:effectRef idx="0">
+            <a:schemeClr val="accent1"/>
+          </a:effectRef>
+          <a:fontRef idx="minor">
+            <a:schemeClr val="lt1"/>
+          </a:fontRef>
+        </p:style>
+        <p:txBody>
+          <a:bodyPr rtlCol="0" anchor="ctr"/>
+          <a:lstStyle/>
+          <a:p>
+            <a:pPr algn="ctr"/>
+            <a:endParaRPr lang="en-US"/>
+          </a:p>
+        </p:txBody>
+      </p:sp>
+      <p:sp>
+        <p:nvSpPr>
+          <p:cNvPr id="256" name="Rectangle 255">
+            <a:extLst>
+              <a:ext uri="{FF2B5EF4-FFF2-40B4-BE49-F238E27FC236}">
+                <a16:creationId xmlns:a16="http://schemas.microsoft.com/office/drawing/2014/main" id="{B18B74E0-0F41-4B17-A877-94A005CF1CB6}"/>
+              </a:ext>
+            </a:extLst>
+          </p:cNvPr>
+          <p:cNvSpPr/>
+          <p:nvPr/>
+        </p:nvSpPr>
+        <p:spPr>
+          <a:xfrm>
+            <a:off x="6327908" y="5529733"/>
+            <a:ext cx="486560" cy="251887"/>
+          </a:xfrm>
+          <a:prstGeom prst="rect">
+            <a:avLst/>
+          </a:prstGeom>
+          <a:solidFill>
+            <a:schemeClr val="bg1"/>
+          </a:solidFill>
+        </p:spPr>
+        <p:style>
+          <a:lnRef idx="2">
+            <a:schemeClr val="accent1">
+              <a:shade val="50000"/>
+            </a:schemeClr>
+          </a:lnRef>
+          <a:fillRef idx="1">
+            <a:schemeClr val="accent1"/>
+          </a:fillRef>
+          <a:effectRef idx="0">
+            <a:schemeClr val="accent1"/>
+          </a:effectRef>
+          <a:fontRef idx="minor">
+            <a:schemeClr val="lt1"/>
+          </a:fontRef>
+        </p:style>
+        <p:txBody>
+          <a:bodyPr rtlCol="0" anchor="ctr"/>
+          <a:lstStyle/>
+          <a:p>
+            <a:pPr algn="ctr"/>
+            <a:endParaRPr lang="en-US"/>
+          </a:p>
+        </p:txBody>
+      </p:sp>
+      <p:cxnSp>
+        <p:nvCxnSpPr>
+          <p:cNvPr id="257" name="Straight Arrow Connector 256">
+            <a:extLst>
+              <a:ext uri="{FF2B5EF4-FFF2-40B4-BE49-F238E27FC236}">
+                <a16:creationId xmlns:a16="http://schemas.microsoft.com/office/drawing/2014/main" id="{4066D9B4-EA0B-4EF4-8CF9-5E0D85F71437}"/>
+              </a:ext>
+            </a:extLst>
+          </p:cNvPr>
+          <p:cNvCxnSpPr>
+            <a:stCxn id="255" idx="3"/>
+          </p:cNvCxnSpPr>
+          <p:nvPr/>
+        </p:nvCxnSpPr>
+        <p:spPr>
+          <a:xfrm flipV="1">
+            <a:off x="7158418" y="5655676"/>
+            <a:ext cx="385892" cy="1"/>
+          </a:xfrm>
+          <a:prstGeom prst="straightConnector1">
+            <a:avLst/>
+          </a:prstGeom>
+          <a:ln w="38100">
+            <a:tailEnd type="triangle"/>
+          </a:ln>
+        </p:spPr>
+        <p:style>
+          <a:lnRef idx="1">
+            <a:schemeClr val="accent1"/>
+          </a:lnRef>
+          <a:fillRef idx="0">
+            <a:schemeClr val="accent1"/>
+          </a:fillRef>
+          <a:effectRef idx="0">
+            <a:schemeClr val="accent1"/>
+          </a:effectRef>
+          <a:fontRef idx="minor">
+            <a:schemeClr val="tx1"/>
+          </a:fontRef>
+        </p:style>
+      </p:cxnSp>
+      <p:sp>
+        <p:nvSpPr>
+          <p:cNvPr id="258" name="TextBox 257">
+            <a:extLst>
+              <a:ext uri="{FF2B5EF4-FFF2-40B4-BE49-F238E27FC236}">
+                <a16:creationId xmlns:a16="http://schemas.microsoft.com/office/drawing/2014/main" id="{2F7C6F35-1ABA-4CDC-B84D-90128D67AB7A}"/>
+              </a:ext>
+            </a:extLst>
+          </p:cNvPr>
+          <p:cNvSpPr txBox="1"/>
+          <p:nvPr/>
+        </p:nvSpPr>
+        <p:spPr>
+          <a:xfrm>
+            <a:off x="6420951" y="5457080"/>
+            <a:ext cx="360726" cy="369332"/>
+          </a:xfrm>
+          <a:prstGeom prst="rect">
+            <a:avLst/>
+          </a:prstGeom>
+          <a:noFill/>
+        </p:spPr>
+        <p:txBody>
+          <a:bodyPr wrap="square" rtlCol="0">
+            <a:spAutoFit/>
+          </a:bodyPr>
+          <a:lstStyle/>
+          <a:p>
+            <a:r>
+              <a:rPr lang="en-US" dirty="0"/>
+              <a:t>3</a:t>
+            </a:r>
+          </a:p>
+        </p:txBody>
+      </p:sp>
+      <p:sp>
+        <p:nvSpPr>
+          <p:cNvPr id="259" name="TextBox 258">
+            <a:extLst>
+              <a:ext uri="{FF2B5EF4-FFF2-40B4-BE49-F238E27FC236}">
+                <a16:creationId xmlns:a16="http://schemas.microsoft.com/office/drawing/2014/main" id="{A9945807-FE1F-420C-B332-732441366281}"/>
+              </a:ext>
+            </a:extLst>
+          </p:cNvPr>
+          <p:cNvSpPr txBox="1"/>
+          <p:nvPr/>
+        </p:nvSpPr>
+        <p:spPr>
+          <a:xfrm>
+            <a:off x="7545973" y="5432580"/>
+            <a:ext cx="1336255" cy="369332"/>
+          </a:xfrm>
+          <a:prstGeom prst="rect">
+            <a:avLst/>
+          </a:prstGeom>
+          <a:noFill/>
+        </p:spPr>
+        <p:txBody>
+          <a:bodyPr wrap="square" rtlCol="0">
+            <a:spAutoFit/>
+          </a:bodyPr>
+          <a:lstStyle/>
+          <a:p>
+            <a:r>
+              <a:rPr lang="en-US" dirty="0"/>
+              <a:t>null </a:t>
+            </a:r>
+          </a:p>
+        </p:txBody>
+      </p:sp>
+      <p:sp>
+        <p:nvSpPr>
+          <p:cNvPr id="261" name="Rectangle 260">
+            <a:extLst>
+              <a:ext uri="{FF2B5EF4-FFF2-40B4-BE49-F238E27FC236}">
+                <a16:creationId xmlns:a16="http://schemas.microsoft.com/office/drawing/2014/main" id="{CFD600E1-6239-41D4-8B3F-3C45667AA5A1}"/>
+              </a:ext>
+            </a:extLst>
+          </p:cNvPr>
+          <p:cNvSpPr/>
+          <p:nvPr/>
+        </p:nvSpPr>
+        <p:spPr>
+          <a:xfrm>
+            <a:off x="4295740" y="5009820"/>
+            <a:ext cx="830510" cy="251886"/>
+          </a:xfrm>
+          <a:prstGeom prst="rect">
+            <a:avLst/>
+          </a:prstGeom>
+        </p:spPr>
+        <p:style>
+          <a:lnRef idx="2">
+            <a:schemeClr val="accent1">
+              <a:shade val="50000"/>
+            </a:schemeClr>
+          </a:lnRef>
+          <a:fillRef idx="1">
+            <a:schemeClr val="accent1"/>
+          </a:fillRef>
+          <a:effectRef idx="0">
+            <a:schemeClr val="accent1"/>
+          </a:effectRef>
+          <a:fontRef idx="minor">
+            <a:schemeClr val="lt1"/>
+          </a:fontRef>
+        </p:style>
+        <p:txBody>
+          <a:bodyPr rtlCol="0" anchor="ctr"/>
+          <a:lstStyle/>
+          <a:p>
+            <a:pPr algn="ctr"/>
+            <a:endParaRPr lang="en-US"/>
+          </a:p>
+        </p:txBody>
+      </p:sp>
+      <p:sp>
+        <p:nvSpPr>
+          <p:cNvPr id="262" name="Rectangle 261">
+            <a:extLst>
+              <a:ext uri="{FF2B5EF4-FFF2-40B4-BE49-F238E27FC236}">
+                <a16:creationId xmlns:a16="http://schemas.microsoft.com/office/drawing/2014/main" id="{20753C7E-8F42-412C-B7F0-D879D71B0633}"/>
+              </a:ext>
+            </a:extLst>
+          </p:cNvPr>
+          <p:cNvSpPr/>
+          <p:nvPr/>
+        </p:nvSpPr>
+        <p:spPr>
+          <a:xfrm>
+            <a:off x="4295740" y="5009819"/>
+            <a:ext cx="486560" cy="251887"/>
+          </a:xfrm>
+          <a:prstGeom prst="rect">
+            <a:avLst/>
+          </a:prstGeom>
+          <a:solidFill>
+            <a:schemeClr val="bg1"/>
+          </a:solidFill>
+        </p:spPr>
+        <p:style>
+          <a:lnRef idx="2">
+            <a:schemeClr val="accent1">
+              <a:shade val="50000"/>
+            </a:schemeClr>
+          </a:lnRef>
+          <a:fillRef idx="1">
+            <a:schemeClr val="accent1"/>
+          </a:fillRef>
+          <a:effectRef idx="0">
+            <a:schemeClr val="accent1"/>
+          </a:effectRef>
+          <a:fontRef idx="minor">
+            <a:schemeClr val="lt1"/>
+          </a:fontRef>
+        </p:style>
+        <p:txBody>
+          <a:bodyPr rtlCol="0" anchor="ctr"/>
+          <a:lstStyle/>
+          <a:p>
+            <a:pPr algn="ctr"/>
+            <a:endParaRPr lang="en-US"/>
+          </a:p>
+        </p:txBody>
+      </p:sp>
+      <p:cxnSp>
+        <p:nvCxnSpPr>
+          <p:cNvPr id="263" name="Straight Arrow Connector 262">
+            <a:extLst>
+              <a:ext uri="{FF2B5EF4-FFF2-40B4-BE49-F238E27FC236}">
+                <a16:creationId xmlns:a16="http://schemas.microsoft.com/office/drawing/2014/main" id="{9623A802-E43B-482D-8EE7-177D82A266F8}"/>
+              </a:ext>
+            </a:extLst>
+          </p:cNvPr>
+          <p:cNvCxnSpPr>
+            <a:stCxn id="261" idx="3"/>
+          </p:cNvCxnSpPr>
+          <p:nvPr/>
+        </p:nvCxnSpPr>
+        <p:spPr>
+          <a:xfrm flipV="1">
+            <a:off x="5126250" y="5135762"/>
+            <a:ext cx="385892" cy="1"/>
+          </a:xfrm>
+          <a:prstGeom prst="straightConnector1">
+            <a:avLst/>
+          </a:prstGeom>
+          <a:ln w="38100">
+            <a:tailEnd type="triangle"/>
+          </a:ln>
+        </p:spPr>
+        <p:style>
+          <a:lnRef idx="1">
+            <a:schemeClr val="accent1"/>
+          </a:lnRef>
+          <a:fillRef idx="0">
+            <a:schemeClr val="accent1"/>
+          </a:fillRef>
+          <a:effectRef idx="0">
+            <a:schemeClr val="accent1"/>
+          </a:effectRef>
+          <a:fontRef idx="minor">
+            <a:schemeClr val="tx1"/>
+          </a:fontRef>
+        </p:style>
+      </p:cxnSp>
+      <p:sp>
+        <p:nvSpPr>
+          <p:cNvPr id="264" name="Rectangle 263">
+            <a:extLst>
+              <a:ext uri="{FF2B5EF4-FFF2-40B4-BE49-F238E27FC236}">
+                <a16:creationId xmlns:a16="http://schemas.microsoft.com/office/drawing/2014/main" id="{7B5B8149-B762-4C00-A359-685B6135C116}"/>
+              </a:ext>
+            </a:extLst>
+          </p:cNvPr>
+          <p:cNvSpPr/>
+          <p:nvPr/>
+        </p:nvSpPr>
+        <p:spPr>
+          <a:xfrm>
+            <a:off x="5506551" y="5009820"/>
+            <a:ext cx="830510" cy="251886"/>
+          </a:xfrm>
+          <a:prstGeom prst="rect">
+            <a:avLst/>
+          </a:prstGeom>
+        </p:spPr>
+        <p:style>
+          <a:lnRef idx="2">
+            <a:schemeClr val="accent1">
+              <a:shade val="50000"/>
+            </a:schemeClr>
+          </a:lnRef>
+          <a:fillRef idx="1">
+            <a:schemeClr val="accent1"/>
+          </a:fillRef>
+          <a:effectRef idx="0">
+            <a:schemeClr val="accent1"/>
+          </a:effectRef>
+          <a:fontRef idx="minor">
+            <a:schemeClr val="lt1"/>
+          </a:fontRef>
+        </p:style>
+        <p:txBody>
+          <a:bodyPr rtlCol="0" anchor="ctr"/>
+          <a:lstStyle/>
+          <a:p>
+            <a:pPr algn="ctr"/>
+            <a:endParaRPr lang="en-US"/>
+          </a:p>
+        </p:txBody>
+      </p:sp>
+      <p:sp>
+        <p:nvSpPr>
+          <p:cNvPr id="265" name="Rectangle 264">
+            <a:extLst>
+              <a:ext uri="{FF2B5EF4-FFF2-40B4-BE49-F238E27FC236}">
+                <a16:creationId xmlns:a16="http://schemas.microsoft.com/office/drawing/2014/main" id="{0CDFA1B4-2D69-4DB3-8133-97E0D215EF3E}"/>
+              </a:ext>
+            </a:extLst>
+          </p:cNvPr>
+          <p:cNvSpPr/>
+          <p:nvPr/>
+        </p:nvSpPr>
+        <p:spPr>
+          <a:xfrm>
+            <a:off x="5506551" y="5009819"/>
+            <a:ext cx="486560" cy="251887"/>
+          </a:xfrm>
+          <a:prstGeom prst="rect">
+            <a:avLst/>
+          </a:prstGeom>
+          <a:solidFill>
+            <a:schemeClr val="bg1"/>
+          </a:solidFill>
+        </p:spPr>
+        <p:style>
+          <a:lnRef idx="2">
+            <a:schemeClr val="accent1">
+              <a:shade val="50000"/>
+            </a:schemeClr>
+          </a:lnRef>
+          <a:fillRef idx="1">
+            <a:schemeClr val="accent1"/>
+          </a:fillRef>
+          <a:effectRef idx="0">
+            <a:schemeClr val="accent1"/>
+          </a:effectRef>
+          <a:fontRef idx="minor">
+            <a:schemeClr val="lt1"/>
+          </a:fontRef>
+        </p:style>
+        <p:txBody>
+          <a:bodyPr rtlCol="0" anchor="ctr"/>
+          <a:lstStyle/>
+          <a:p>
+            <a:pPr algn="ctr"/>
+            <a:endParaRPr lang="en-US"/>
+          </a:p>
+        </p:txBody>
+      </p:sp>
+      <p:cxnSp>
+        <p:nvCxnSpPr>
+          <p:cNvPr id="266" name="Straight Arrow Connector 265">
+            <a:extLst>
+              <a:ext uri="{FF2B5EF4-FFF2-40B4-BE49-F238E27FC236}">
+                <a16:creationId xmlns:a16="http://schemas.microsoft.com/office/drawing/2014/main" id="{D1278A6F-C701-421C-B646-238FF658063B}"/>
+              </a:ext>
+            </a:extLst>
+          </p:cNvPr>
+          <p:cNvCxnSpPr>
+            <a:stCxn id="264" idx="3"/>
+          </p:cNvCxnSpPr>
+          <p:nvPr/>
+        </p:nvCxnSpPr>
+        <p:spPr>
+          <a:xfrm flipV="1">
+            <a:off x="6337061" y="5135762"/>
+            <a:ext cx="385892" cy="1"/>
+          </a:xfrm>
+          <a:prstGeom prst="straightConnector1">
+            <a:avLst/>
+          </a:prstGeom>
+          <a:ln w="38100">
+            <a:tailEnd type="triangle"/>
+          </a:ln>
+        </p:spPr>
+        <p:style>
+          <a:lnRef idx="1">
+            <a:schemeClr val="accent1"/>
+          </a:lnRef>
+          <a:fillRef idx="0">
+            <a:schemeClr val="accent1"/>
+          </a:fillRef>
+          <a:effectRef idx="0">
+            <a:schemeClr val="accent1"/>
+          </a:effectRef>
+          <a:fontRef idx="minor">
+            <a:schemeClr val="tx1"/>
+          </a:fontRef>
+        </p:style>
+      </p:cxnSp>
+      <p:sp>
+        <p:nvSpPr>
+          <p:cNvPr id="267" name="TextBox 266">
+            <a:extLst>
+              <a:ext uri="{FF2B5EF4-FFF2-40B4-BE49-F238E27FC236}">
+                <a16:creationId xmlns:a16="http://schemas.microsoft.com/office/drawing/2014/main" id="{53689502-60E3-448B-B73A-0B7BE354022F}"/>
+              </a:ext>
+            </a:extLst>
+          </p:cNvPr>
+          <p:cNvSpPr txBox="1"/>
+          <p:nvPr/>
+        </p:nvSpPr>
+        <p:spPr>
+          <a:xfrm>
+            <a:off x="4358657" y="4925644"/>
+            <a:ext cx="360726" cy="369332"/>
+          </a:xfrm>
+          <a:prstGeom prst="rect">
+            <a:avLst/>
+          </a:prstGeom>
+          <a:noFill/>
+        </p:spPr>
+        <p:txBody>
+          <a:bodyPr wrap="square" rtlCol="0">
+            <a:spAutoFit/>
+          </a:bodyPr>
+          <a:lstStyle/>
+          <a:p>
+            <a:r>
+              <a:rPr lang="en-US" dirty="0"/>
+              <a:t>6</a:t>
+            </a:r>
+          </a:p>
+        </p:txBody>
+      </p:sp>
+      <p:sp>
+        <p:nvSpPr>
+          <p:cNvPr id="268" name="TextBox 267">
+            <a:extLst>
+              <a:ext uri="{FF2B5EF4-FFF2-40B4-BE49-F238E27FC236}">
+                <a16:creationId xmlns:a16="http://schemas.microsoft.com/office/drawing/2014/main" id="{11282A0D-E3B8-46B1-9C85-E50F37BEFAE4}"/>
+              </a:ext>
+            </a:extLst>
+          </p:cNvPr>
+          <p:cNvSpPr txBox="1"/>
+          <p:nvPr/>
+        </p:nvSpPr>
+        <p:spPr>
+          <a:xfrm>
+            <a:off x="5572263" y="4925644"/>
+            <a:ext cx="360726" cy="369332"/>
+          </a:xfrm>
+          <a:prstGeom prst="rect">
+            <a:avLst/>
+          </a:prstGeom>
+          <a:noFill/>
+        </p:spPr>
+        <p:txBody>
+          <a:bodyPr wrap="square" rtlCol="0">
+            <a:spAutoFit/>
+          </a:bodyPr>
+          <a:lstStyle/>
+          <a:p>
+            <a:r>
+              <a:rPr lang="en-US" dirty="0"/>
+              <a:t>3</a:t>
+            </a:r>
+          </a:p>
+        </p:txBody>
+      </p:sp>
+      <p:sp>
+        <p:nvSpPr>
+          <p:cNvPr id="269" name="TextBox 268">
+            <a:extLst>
+              <a:ext uri="{FF2B5EF4-FFF2-40B4-BE49-F238E27FC236}">
+                <a16:creationId xmlns:a16="http://schemas.microsoft.com/office/drawing/2014/main" id="{F942CF06-FB12-4487-83C4-8E8F97905734}"/>
+              </a:ext>
+            </a:extLst>
+          </p:cNvPr>
+          <p:cNvSpPr txBox="1"/>
+          <p:nvPr/>
+        </p:nvSpPr>
+        <p:spPr>
+          <a:xfrm>
+            <a:off x="3438093" y="5447336"/>
+            <a:ext cx="1073790" cy="369332"/>
+          </a:xfrm>
+          <a:prstGeom prst="rect">
+            <a:avLst/>
+          </a:prstGeom>
+          <a:noFill/>
+        </p:spPr>
+        <p:txBody>
+          <a:bodyPr wrap="square" rtlCol="0">
+            <a:spAutoFit/>
+          </a:bodyPr>
+          <a:lstStyle/>
+          <a:p>
+            <a:r>
+              <a:rPr lang="en-US" dirty="0"/>
+              <a:t>n = </a:t>
+            </a:r>
+          </a:p>
+        </p:txBody>
+      </p:sp>
+      <p:sp>
+        <p:nvSpPr>
+          <p:cNvPr id="270" name="TextBox 269">
+            <a:extLst>
+              <a:ext uri="{FF2B5EF4-FFF2-40B4-BE49-F238E27FC236}">
+                <a16:creationId xmlns:a16="http://schemas.microsoft.com/office/drawing/2014/main" id="{3AE4B042-6FEE-4A76-8A88-E54FBD08BE86}"/>
+              </a:ext>
+            </a:extLst>
+          </p:cNvPr>
+          <p:cNvSpPr txBox="1"/>
+          <p:nvPr/>
+        </p:nvSpPr>
+        <p:spPr>
+          <a:xfrm>
+            <a:off x="3436504" y="4926219"/>
+            <a:ext cx="1336255" cy="369332"/>
+          </a:xfrm>
+          <a:prstGeom prst="rect">
+            <a:avLst/>
+          </a:prstGeom>
+          <a:noFill/>
+        </p:spPr>
+        <p:txBody>
+          <a:bodyPr wrap="square" rtlCol="0">
+            <a:spAutoFit/>
+          </a:bodyPr>
+          <a:lstStyle/>
+          <a:p>
+            <a:r>
+              <a:rPr lang="en-US" dirty="0"/>
+              <a:t>head =  </a:t>
+            </a:r>
+          </a:p>
+        </p:txBody>
+      </p:sp>
+      <p:sp>
+        <p:nvSpPr>
+          <p:cNvPr id="271" name="TextBox 270">
+            <a:extLst>
+              <a:ext uri="{FF2B5EF4-FFF2-40B4-BE49-F238E27FC236}">
+                <a16:creationId xmlns:a16="http://schemas.microsoft.com/office/drawing/2014/main" id="{49561DBE-A88B-4A7A-A40B-A5A0083677B9}"/>
+              </a:ext>
+            </a:extLst>
+          </p:cNvPr>
+          <p:cNvSpPr txBox="1"/>
+          <p:nvPr/>
+        </p:nvSpPr>
+        <p:spPr>
+          <a:xfrm>
+            <a:off x="3436504" y="5198952"/>
+            <a:ext cx="1543197" cy="369332"/>
+          </a:xfrm>
+          <a:prstGeom prst="rect">
+            <a:avLst/>
+          </a:prstGeom>
+          <a:noFill/>
+        </p:spPr>
+        <p:txBody>
+          <a:bodyPr wrap="square" rtlCol="0">
+            <a:spAutoFit/>
+          </a:bodyPr>
+          <a:lstStyle/>
+          <a:p>
+            <a:r>
+              <a:rPr lang="en-US" dirty="0" err="1"/>
+              <a:t>node.data</a:t>
+            </a:r>
+            <a:r>
+              <a:rPr lang="en-US" dirty="0"/>
+              <a:t> = 7</a:t>
+            </a:r>
+          </a:p>
+        </p:txBody>
+      </p:sp>
+      <p:sp>
+        <p:nvSpPr>
+          <p:cNvPr id="272" name="TextBox 271">
+            <a:extLst>
+              <a:ext uri="{FF2B5EF4-FFF2-40B4-BE49-F238E27FC236}">
+                <a16:creationId xmlns:a16="http://schemas.microsoft.com/office/drawing/2014/main" id="{6C9D2C70-D15C-468E-9086-92AB721E68DB}"/>
+              </a:ext>
+            </a:extLst>
+          </p:cNvPr>
+          <p:cNvSpPr txBox="1"/>
+          <p:nvPr/>
+        </p:nvSpPr>
+        <p:spPr>
+          <a:xfrm>
+            <a:off x="6654326" y="4918382"/>
+            <a:ext cx="1336255" cy="369332"/>
+          </a:xfrm>
+          <a:prstGeom prst="rect">
+            <a:avLst/>
+          </a:prstGeom>
+          <a:noFill/>
+        </p:spPr>
+        <p:txBody>
+          <a:bodyPr wrap="square" rtlCol="0">
+            <a:spAutoFit/>
+          </a:bodyPr>
+          <a:lstStyle/>
+          <a:p>
+            <a:r>
+              <a:rPr lang="en-US" dirty="0"/>
+              <a:t>null </a:t>
+            </a:r>
+          </a:p>
+        </p:txBody>
+      </p:sp>
+      <p:sp>
+        <p:nvSpPr>
+          <p:cNvPr id="273" name="Multiplication Sign 272">
+            <a:extLst>
+              <a:ext uri="{FF2B5EF4-FFF2-40B4-BE49-F238E27FC236}">
+                <a16:creationId xmlns:a16="http://schemas.microsoft.com/office/drawing/2014/main" id="{17712C77-A7CD-4832-A10F-2AAB9B184B1C}"/>
+              </a:ext>
+            </a:extLst>
+          </p:cNvPr>
+          <p:cNvSpPr/>
+          <p:nvPr/>
+        </p:nvSpPr>
+        <p:spPr>
+          <a:xfrm>
+            <a:off x="4888774" y="4760081"/>
+            <a:ext cx="1896785" cy="387002"/>
+          </a:xfrm>
+          <a:prstGeom prst="mathMultiply">
+            <a:avLst/>
+          </a:prstGeom>
+          <a:solidFill>
+            <a:srgbClr val="FF0000"/>
+          </a:solidFill>
+          <a:ln>
+            <a:solidFill>
+              <a:schemeClr val="bg1"/>
+            </a:solidFill>
+          </a:ln>
+        </p:spPr>
+        <p:style>
+          <a:lnRef idx="2">
+            <a:schemeClr val="accent1">
+              <a:shade val="50000"/>
+            </a:schemeClr>
+          </a:lnRef>
+          <a:fillRef idx="1">
+            <a:schemeClr val="accent1"/>
+          </a:fillRef>
+          <a:effectRef idx="0">
+            <a:schemeClr val="accent1"/>
+          </a:effectRef>
+          <a:fontRef idx="minor">
+            <a:schemeClr val="lt1"/>
+          </a:fontRef>
+        </p:style>
+        <p:txBody>
+          <a:bodyPr rtlCol="0" anchor="ctr"/>
+          <a:lstStyle/>
+          <a:p>
+            <a:pPr algn="ctr"/>
+            <a:endParaRPr lang="en-US"/>
+          </a:p>
+        </p:txBody>
+      </p:sp>
+      <p:sp>
+        <p:nvSpPr>
+          <p:cNvPr id="274" name="Rectangle 273">
+            <a:extLst>
+              <a:ext uri="{FF2B5EF4-FFF2-40B4-BE49-F238E27FC236}">
+                <a16:creationId xmlns:a16="http://schemas.microsoft.com/office/drawing/2014/main" id="{CFB46534-4F9E-439F-8BA9-9F751D18C21D}"/>
+              </a:ext>
+            </a:extLst>
+          </p:cNvPr>
+          <p:cNvSpPr/>
+          <p:nvPr/>
+        </p:nvSpPr>
+        <p:spPr>
+          <a:xfrm>
+            <a:off x="3921666" y="5542926"/>
+            <a:ext cx="830510" cy="251886"/>
+          </a:xfrm>
+          <a:prstGeom prst="rect">
+            <a:avLst/>
+          </a:prstGeom>
+        </p:spPr>
+        <p:style>
+          <a:lnRef idx="2">
+            <a:schemeClr val="accent1">
+              <a:shade val="50000"/>
+            </a:schemeClr>
+          </a:lnRef>
+          <a:fillRef idx="1">
+            <a:schemeClr val="accent1"/>
+          </a:fillRef>
+          <a:effectRef idx="0">
+            <a:schemeClr val="accent1"/>
+          </a:effectRef>
+          <a:fontRef idx="minor">
+            <a:schemeClr val="lt1"/>
+          </a:fontRef>
+        </p:style>
+        <p:txBody>
+          <a:bodyPr rtlCol="0" anchor="ctr"/>
+          <a:lstStyle/>
+          <a:p>
+            <a:pPr algn="ctr"/>
+            <a:endParaRPr lang="en-US"/>
+          </a:p>
+        </p:txBody>
+      </p:sp>
+      <p:sp>
+        <p:nvSpPr>
+          <p:cNvPr id="275" name="Rectangle 274">
+            <a:extLst>
+              <a:ext uri="{FF2B5EF4-FFF2-40B4-BE49-F238E27FC236}">
+                <a16:creationId xmlns:a16="http://schemas.microsoft.com/office/drawing/2014/main" id="{1A282A49-A8D5-4852-A329-14602AA95D2D}"/>
+              </a:ext>
+            </a:extLst>
+          </p:cNvPr>
+          <p:cNvSpPr/>
+          <p:nvPr/>
+        </p:nvSpPr>
+        <p:spPr>
+          <a:xfrm>
+            <a:off x="3921666" y="5542925"/>
+            <a:ext cx="486560" cy="251887"/>
+          </a:xfrm>
+          <a:prstGeom prst="rect">
+            <a:avLst/>
+          </a:prstGeom>
+          <a:solidFill>
+            <a:schemeClr val="bg1"/>
+          </a:solidFill>
+        </p:spPr>
+        <p:style>
+          <a:lnRef idx="2">
+            <a:schemeClr val="accent1">
+              <a:shade val="50000"/>
+            </a:schemeClr>
+          </a:lnRef>
+          <a:fillRef idx="1">
+            <a:schemeClr val="accent1"/>
+          </a:fillRef>
+          <a:effectRef idx="0">
+            <a:schemeClr val="accent1"/>
+          </a:effectRef>
+          <a:fontRef idx="minor">
+            <a:schemeClr val="lt1"/>
+          </a:fontRef>
+        </p:style>
+        <p:txBody>
+          <a:bodyPr rtlCol="0" anchor="ctr"/>
+          <a:lstStyle/>
+          <a:p>
+            <a:pPr algn="ctr"/>
+            <a:endParaRPr lang="en-US"/>
+          </a:p>
+        </p:txBody>
+      </p:sp>
+      <p:cxnSp>
+        <p:nvCxnSpPr>
+          <p:cNvPr id="276" name="Straight Arrow Connector 275">
+            <a:extLst>
+              <a:ext uri="{FF2B5EF4-FFF2-40B4-BE49-F238E27FC236}">
+                <a16:creationId xmlns:a16="http://schemas.microsoft.com/office/drawing/2014/main" id="{924617DF-EF21-47A1-928D-81D99ADCD52A}"/>
+              </a:ext>
+            </a:extLst>
+          </p:cNvPr>
+          <p:cNvCxnSpPr>
+            <a:stCxn id="274" idx="3"/>
+          </p:cNvCxnSpPr>
+          <p:nvPr/>
+        </p:nvCxnSpPr>
+        <p:spPr>
+          <a:xfrm flipV="1">
+            <a:off x="4752176" y="5668868"/>
+            <a:ext cx="385892" cy="1"/>
+          </a:xfrm>
+          <a:prstGeom prst="straightConnector1">
+            <a:avLst/>
+          </a:prstGeom>
+          <a:ln w="38100">
+            <a:tailEnd type="triangle"/>
+          </a:ln>
+        </p:spPr>
+        <p:style>
+          <a:lnRef idx="1">
+            <a:schemeClr val="accent1"/>
+          </a:lnRef>
+          <a:fillRef idx="0">
+            <a:schemeClr val="accent1"/>
+          </a:fillRef>
+          <a:effectRef idx="0">
+            <a:schemeClr val="accent1"/>
+          </a:effectRef>
+          <a:fontRef idx="minor">
+            <a:schemeClr val="tx1"/>
+          </a:fontRef>
+        </p:style>
+      </p:cxnSp>
+      <p:sp>
+        <p:nvSpPr>
+          <p:cNvPr id="277" name="TextBox 276">
+            <a:extLst>
+              <a:ext uri="{FF2B5EF4-FFF2-40B4-BE49-F238E27FC236}">
+                <a16:creationId xmlns:a16="http://schemas.microsoft.com/office/drawing/2014/main" id="{97280809-CF4A-41F7-BFE2-456CC4001AA1}"/>
+              </a:ext>
+            </a:extLst>
+          </p:cNvPr>
+          <p:cNvSpPr txBox="1"/>
+          <p:nvPr/>
+        </p:nvSpPr>
+        <p:spPr>
+          <a:xfrm>
+            <a:off x="4014709" y="5481082"/>
+            <a:ext cx="360726" cy="369332"/>
+          </a:xfrm>
+          <a:prstGeom prst="rect">
+            <a:avLst/>
+          </a:prstGeom>
+          <a:noFill/>
+        </p:spPr>
+        <p:txBody>
+          <a:bodyPr wrap="square" rtlCol="0">
+            <a:spAutoFit/>
+          </a:bodyPr>
+          <a:lstStyle/>
+          <a:p>
+            <a:r>
+              <a:rPr lang="en-US" dirty="0"/>
+              <a:t>7</a:t>
+            </a:r>
+          </a:p>
+        </p:txBody>
+      </p:sp>
+      <p:sp>
+        <p:nvSpPr>
+          <p:cNvPr id="282" name="Rectangle 281">
+            <a:extLst>
+              <a:ext uri="{FF2B5EF4-FFF2-40B4-BE49-F238E27FC236}">
+                <a16:creationId xmlns:a16="http://schemas.microsoft.com/office/drawing/2014/main" id="{F8D464A0-15D8-4CAA-AE38-7A6C1801BA0A}"/>
+              </a:ext>
+            </a:extLst>
+          </p:cNvPr>
+          <p:cNvSpPr/>
+          <p:nvPr/>
+        </p:nvSpPr>
+        <p:spPr>
+          <a:xfrm>
+            <a:off x="8516040" y="4910346"/>
+            <a:ext cx="830510" cy="251886"/>
+          </a:xfrm>
+          <a:prstGeom prst="rect">
+            <a:avLst/>
+          </a:prstGeom>
+        </p:spPr>
+        <p:style>
+          <a:lnRef idx="2">
+            <a:schemeClr val="accent1">
+              <a:shade val="50000"/>
+            </a:schemeClr>
+          </a:lnRef>
+          <a:fillRef idx="1">
+            <a:schemeClr val="accent1"/>
+          </a:fillRef>
+          <a:effectRef idx="0">
+            <a:schemeClr val="accent1"/>
+          </a:effectRef>
+          <a:fontRef idx="minor">
+            <a:schemeClr val="lt1"/>
+          </a:fontRef>
+        </p:style>
+        <p:txBody>
+          <a:bodyPr rtlCol="0" anchor="ctr"/>
+          <a:lstStyle/>
+          <a:p>
+            <a:pPr algn="ctr"/>
+            <a:endParaRPr lang="en-US"/>
+          </a:p>
+        </p:txBody>
+      </p:sp>
+      <p:sp>
+        <p:nvSpPr>
+          <p:cNvPr id="283" name="Rectangle 282">
+            <a:extLst>
+              <a:ext uri="{FF2B5EF4-FFF2-40B4-BE49-F238E27FC236}">
+                <a16:creationId xmlns:a16="http://schemas.microsoft.com/office/drawing/2014/main" id="{2E0282A9-339F-4223-A803-99F76DF3D150}"/>
+              </a:ext>
+            </a:extLst>
+          </p:cNvPr>
+          <p:cNvSpPr/>
+          <p:nvPr/>
+        </p:nvSpPr>
+        <p:spPr>
+          <a:xfrm>
+            <a:off x="8516040" y="4910345"/>
+            <a:ext cx="486560" cy="251887"/>
+          </a:xfrm>
+          <a:prstGeom prst="rect">
+            <a:avLst/>
+          </a:prstGeom>
+          <a:solidFill>
+            <a:schemeClr val="bg1"/>
+          </a:solidFill>
+        </p:spPr>
+        <p:style>
+          <a:lnRef idx="2">
+            <a:schemeClr val="accent1">
+              <a:shade val="50000"/>
+            </a:schemeClr>
+          </a:lnRef>
+          <a:fillRef idx="1">
+            <a:schemeClr val="accent1"/>
+          </a:fillRef>
+          <a:effectRef idx="0">
+            <a:schemeClr val="accent1"/>
+          </a:effectRef>
+          <a:fontRef idx="minor">
+            <a:schemeClr val="lt1"/>
+          </a:fontRef>
+        </p:style>
+        <p:txBody>
+          <a:bodyPr rtlCol="0" anchor="ctr"/>
+          <a:lstStyle/>
+          <a:p>
+            <a:pPr algn="ctr"/>
+            <a:endParaRPr lang="en-US"/>
+          </a:p>
+        </p:txBody>
+      </p:sp>
+      <p:cxnSp>
+        <p:nvCxnSpPr>
+          <p:cNvPr id="284" name="Straight Arrow Connector 283">
+            <a:extLst>
+              <a:ext uri="{FF2B5EF4-FFF2-40B4-BE49-F238E27FC236}">
+                <a16:creationId xmlns:a16="http://schemas.microsoft.com/office/drawing/2014/main" id="{4E60FA58-B2AA-4927-964E-C6D7088FAFE9}"/>
+              </a:ext>
+            </a:extLst>
+          </p:cNvPr>
+          <p:cNvCxnSpPr>
+            <a:stCxn id="282" idx="3"/>
+          </p:cNvCxnSpPr>
+          <p:nvPr/>
+        </p:nvCxnSpPr>
+        <p:spPr>
+          <a:xfrm flipV="1">
+            <a:off x="9346550" y="5036288"/>
+            <a:ext cx="385892" cy="1"/>
+          </a:xfrm>
+          <a:prstGeom prst="straightConnector1">
+            <a:avLst/>
+          </a:prstGeom>
+          <a:ln w="38100">
+            <a:tailEnd type="triangle"/>
+          </a:ln>
+        </p:spPr>
+        <p:style>
+          <a:lnRef idx="1">
+            <a:schemeClr val="accent1"/>
+          </a:lnRef>
+          <a:fillRef idx="0">
+            <a:schemeClr val="accent1"/>
+          </a:fillRef>
+          <a:effectRef idx="0">
+            <a:schemeClr val="accent1"/>
+          </a:effectRef>
+          <a:fontRef idx="minor">
+            <a:schemeClr val="tx1"/>
+          </a:fontRef>
+        </p:style>
+      </p:cxnSp>
+      <p:sp>
+        <p:nvSpPr>
+          <p:cNvPr id="285" name="TextBox 284">
+            <a:extLst>
+              <a:ext uri="{FF2B5EF4-FFF2-40B4-BE49-F238E27FC236}">
+                <a16:creationId xmlns:a16="http://schemas.microsoft.com/office/drawing/2014/main" id="{FDEE58E2-A77D-4B2A-B1C4-EE93CDB9DD08}"/>
+              </a:ext>
+            </a:extLst>
+          </p:cNvPr>
+          <p:cNvSpPr txBox="1"/>
+          <p:nvPr/>
+        </p:nvSpPr>
+        <p:spPr>
+          <a:xfrm>
+            <a:off x="8609083" y="4848502"/>
+            <a:ext cx="360726" cy="369332"/>
+          </a:xfrm>
+          <a:prstGeom prst="rect">
+            <a:avLst/>
+          </a:prstGeom>
+          <a:noFill/>
+        </p:spPr>
+        <p:txBody>
+          <a:bodyPr wrap="square" rtlCol="0">
+            <a:spAutoFit/>
+          </a:bodyPr>
+          <a:lstStyle/>
+          <a:p>
+            <a:r>
+              <a:rPr lang="en-US" dirty="0"/>
+              <a:t>6</a:t>
+            </a:r>
+          </a:p>
+        </p:txBody>
+      </p:sp>
+      <p:sp>
+        <p:nvSpPr>
+          <p:cNvPr id="286" name="Rectangle 285">
+            <a:extLst>
+              <a:ext uri="{FF2B5EF4-FFF2-40B4-BE49-F238E27FC236}">
+                <a16:creationId xmlns:a16="http://schemas.microsoft.com/office/drawing/2014/main" id="{15FB1D41-35F2-466E-92C0-44EF28EAAE3C}"/>
+              </a:ext>
+            </a:extLst>
+          </p:cNvPr>
+          <p:cNvSpPr/>
+          <p:nvPr/>
+        </p:nvSpPr>
+        <p:spPr>
+          <a:xfrm>
+            <a:off x="9726851" y="4910346"/>
+            <a:ext cx="830510" cy="251886"/>
+          </a:xfrm>
+          <a:prstGeom prst="rect">
+            <a:avLst/>
+          </a:prstGeom>
+        </p:spPr>
+        <p:style>
+          <a:lnRef idx="2">
+            <a:schemeClr val="accent1">
+              <a:shade val="50000"/>
+            </a:schemeClr>
+          </a:lnRef>
+          <a:fillRef idx="1">
+            <a:schemeClr val="accent1"/>
+          </a:fillRef>
+          <a:effectRef idx="0">
+            <a:schemeClr val="accent1"/>
+          </a:effectRef>
+          <a:fontRef idx="minor">
+            <a:schemeClr val="lt1"/>
+          </a:fontRef>
+        </p:style>
+        <p:txBody>
+          <a:bodyPr rtlCol="0" anchor="ctr"/>
+          <a:lstStyle/>
+          <a:p>
+            <a:pPr algn="ctr"/>
+            <a:endParaRPr lang="en-US"/>
+          </a:p>
+        </p:txBody>
+      </p:sp>
+      <p:sp>
+        <p:nvSpPr>
+          <p:cNvPr id="287" name="Rectangle 286">
+            <a:extLst>
+              <a:ext uri="{FF2B5EF4-FFF2-40B4-BE49-F238E27FC236}">
+                <a16:creationId xmlns:a16="http://schemas.microsoft.com/office/drawing/2014/main" id="{977569D8-460D-4657-BCD8-BCB02C22FC78}"/>
+              </a:ext>
+            </a:extLst>
+          </p:cNvPr>
+          <p:cNvSpPr/>
+          <p:nvPr/>
+        </p:nvSpPr>
+        <p:spPr>
+          <a:xfrm>
+            <a:off x="9726851" y="4910345"/>
+            <a:ext cx="486560" cy="251887"/>
+          </a:xfrm>
+          <a:prstGeom prst="rect">
+            <a:avLst/>
+          </a:prstGeom>
+          <a:solidFill>
+            <a:schemeClr val="bg1"/>
+          </a:solidFill>
+        </p:spPr>
+        <p:style>
+          <a:lnRef idx="2">
+            <a:schemeClr val="accent1">
+              <a:shade val="50000"/>
+            </a:schemeClr>
+          </a:lnRef>
+          <a:fillRef idx="1">
+            <a:schemeClr val="accent1"/>
+          </a:fillRef>
+          <a:effectRef idx="0">
+            <a:schemeClr val="accent1"/>
+          </a:effectRef>
+          <a:fontRef idx="minor">
+            <a:schemeClr val="lt1"/>
+          </a:fontRef>
+        </p:style>
+        <p:txBody>
+          <a:bodyPr rtlCol="0" anchor="ctr"/>
+          <a:lstStyle/>
+          <a:p>
+            <a:pPr algn="ctr"/>
+            <a:endParaRPr lang="en-US"/>
+          </a:p>
+        </p:txBody>
+      </p:sp>
+      <p:cxnSp>
+        <p:nvCxnSpPr>
+          <p:cNvPr id="288" name="Straight Arrow Connector 287">
+            <a:extLst>
+              <a:ext uri="{FF2B5EF4-FFF2-40B4-BE49-F238E27FC236}">
+                <a16:creationId xmlns:a16="http://schemas.microsoft.com/office/drawing/2014/main" id="{3A9A04BF-2C5F-4DD9-A7E7-D4E62B21D4F4}"/>
+              </a:ext>
+            </a:extLst>
+          </p:cNvPr>
+          <p:cNvCxnSpPr>
+            <a:stCxn id="286" idx="3"/>
+          </p:cNvCxnSpPr>
+          <p:nvPr/>
+        </p:nvCxnSpPr>
+        <p:spPr>
+          <a:xfrm flipV="1">
+            <a:off x="10557361" y="5036288"/>
+            <a:ext cx="385892" cy="1"/>
+          </a:xfrm>
+          <a:prstGeom prst="straightConnector1">
+            <a:avLst/>
+          </a:prstGeom>
+          <a:ln w="38100">
+            <a:tailEnd type="triangle"/>
+          </a:ln>
+        </p:spPr>
+        <p:style>
+          <a:lnRef idx="1">
+            <a:schemeClr val="accent1"/>
+          </a:lnRef>
+          <a:fillRef idx="0">
+            <a:schemeClr val="accent1"/>
+          </a:fillRef>
+          <a:effectRef idx="0">
+            <a:schemeClr val="accent1"/>
+          </a:effectRef>
+          <a:fontRef idx="minor">
+            <a:schemeClr val="tx1"/>
+          </a:fontRef>
+        </p:style>
+      </p:cxnSp>
+      <p:sp>
+        <p:nvSpPr>
+          <p:cNvPr id="289" name="TextBox 288">
+            <a:extLst>
+              <a:ext uri="{FF2B5EF4-FFF2-40B4-BE49-F238E27FC236}">
+                <a16:creationId xmlns:a16="http://schemas.microsoft.com/office/drawing/2014/main" id="{9BC0749D-A19C-43F9-8E63-7853C2227AD4}"/>
+              </a:ext>
+            </a:extLst>
+          </p:cNvPr>
+          <p:cNvSpPr txBox="1"/>
+          <p:nvPr/>
+        </p:nvSpPr>
+        <p:spPr>
+          <a:xfrm>
+            <a:off x="9819894" y="4837692"/>
+            <a:ext cx="360726" cy="369332"/>
+          </a:xfrm>
+          <a:prstGeom prst="rect">
+            <a:avLst/>
+          </a:prstGeom>
+          <a:noFill/>
+        </p:spPr>
+        <p:txBody>
+          <a:bodyPr wrap="square" rtlCol="0">
+            <a:spAutoFit/>
+          </a:bodyPr>
+          <a:lstStyle/>
+          <a:p>
+            <a:r>
+              <a:rPr lang="en-US" dirty="0"/>
+              <a:t>3</a:t>
+            </a:r>
+          </a:p>
+        </p:txBody>
+      </p:sp>
+      <p:sp>
+        <p:nvSpPr>
+          <p:cNvPr id="290" name="TextBox 289">
+            <a:extLst>
+              <a:ext uri="{FF2B5EF4-FFF2-40B4-BE49-F238E27FC236}">
+                <a16:creationId xmlns:a16="http://schemas.microsoft.com/office/drawing/2014/main" id="{189803E4-C769-4FEE-8A02-AE634628710D}"/>
+              </a:ext>
+            </a:extLst>
+          </p:cNvPr>
+          <p:cNvSpPr txBox="1"/>
+          <p:nvPr/>
+        </p:nvSpPr>
+        <p:spPr>
+          <a:xfrm>
+            <a:off x="10944916" y="4813192"/>
+            <a:ext cx="1336255" cy="369332"/>
+          </a:xfrm>
+          <a:prstGeom prst="rect">
+            <a:avLst/>
+          </a:prstGeom>
+          <a:noFill/>
+        </p:spPr>
+        <p:txBody>
+          <a:bodyPr wrap="square" rtlCol="0">
+            <a:spAutoFit/>
+          </a:bodyPr>
+          <a:lstStyle/>
+          <a:p>
+            <a:r>
+              <a:rPr lang="en-US" dirty="0"/>
+              <a:t>null </a:t>
+            </a:r>
+          </a:p>
+        </p:txBody>
+      </p:sp>
+      <p:sp>
+        <p:nvSpPr>
+          <p:cNvPr id="291" name="Rectangle 290">
+            <a:extLst>
+              <a:ext uri="{FF2B5EF4-FFF2-40B4-BE49-F238E27FC236}">
+                <a16:creationId xmlns:a16="http://schemas.microsoft.com/office/drawing/2014/main" id="{F0D2F6D3-3AD4-420F-87CF-C08B6B9B2561}"/>
+              </a:ext>
+            </a:extLst>
+          </p:cNvPr>
+          <p:cNvSpPr/>
+          <p:nvPr/>
+        </p:nvSpPr>
+        <p:spPr>
+          <a:xfrm>
+            <a:off x="7320609" y="4923538"/>
+            <a:ext cx="830510" cy="251886"/>
+          </a:xfrm>
+          <a:prstGeom prst="rect">
+            <a:avLst/>
+          </a:prstGeom>
+        </p:spPr>
+        <p:style>
+          <a:lnRef idx="2">
+            <a:schemeClr val="accent1">
+              <a:shade val="50000"/>
+            </a:schemeClr>
+          </a:lnRef>
+          <a:fillRef idx="1">
+            <a:schemeClr val="accent1"/>
+          </a:fillRef>
+          <a:effectRef idx="0">
+            <a:schemeClr val="accent1"/>
+          </a:effectRef>
+          <a:fontRef idx="minor">
+            <a:schemeClr val="lt1"/>
+          </a:fontRef>
+        </p:style>
+        <p:txBody>
+          <a:bodyPr rtlCol="0" anchor="ctr"/>
+          <a:lstStyle/>
+          <a:p>
+            <a:pPr algn="ctr"/>
+            <a:endParaRPr lang="en-US"/>
+          </a:p>
+        </p:txBody>
+      </p:sp>
+      <p:sp>
+        <p:nvSpPr>
+          <p:cNvPr id="292" name="Rectangle 291">
+            <a:extLst>
+              <a:ext uri="{FF2B5EF4-FFF2-40B4-BE49-F238E27FC236}">
+                <a16:creationId xmlns:a16="http://schemas.microsoft.com/office/drawing/2014/main" id="{452239B9-8105-4EEE-95F1-74D7227B2717}"/>
+              </a:ext>
+            </a:extLst>
+          </p:cNvPr>
+          <p:cNvSpPr/>
+          <p:nvPr/>
+        </p:nvSpPr>
+        <p:spPr>
+          <a:xfrm>
+            <a:off x="7320609" y="4923537"/>
+            <a:ext cx="486560" cy="251887"/>
+          </a:xfrm>
+          <a:prstGeom prst="rect">
+            <a:avLst/>
+          </a:prstGeom>
+          <a:solidFill>
+            <a:schemeClr val="bg1"/>
+          </a:solidFill>
+        </p:spPr>
+        <p:style>
+          <a:lnRef idx="2">
+            <a:schemeClr val="accent1">
+              <a:shade val="50000"/>
+            </a:schemeClr>
+          </a:lnRef>
+          <a:fillRef idx="1">
+            <a:schemeClr val="accent1"/>
+          </a:fillRef>
+          <a:effectRef idx="0">
+            <a:schemeClr val="accent1"/>
+          </a:effectRef>
+          <a:fontRef idx="minor">
+            <a:schemeClr val="lt1"/>
+          </a:fontRef>
+        </p:style>
+        <p:txBody>
+          <a:bodyPr rtlCol="0" anchor="ctr"/>
+          <a:lstStyle/>
+          <a:p>
+            <a:pPr algn="ctr"/>
+            <a:endParaRPr lang="en-US"/>
+          </a:p>
+        </p:txBody>
+      </p:sp>
+      <p:cxnSp>
+        <p:nvCxnSpPr>
+          <p:cNvPr id="293" name="Straight Arrow Connector 292">
+            <a:extLst>
+              <a:ext uri="{FF2B5EF4-FFF2-40B4-BE49-F238E27FC236}">
+                <a16:creationId xmlns:a16="http://schemas.microsoft.com/office/drawing/2014/main" id="{BAF0DEDB-8FB7-425D-8014-79AAD062F0BB}"/>
+              </a:ext>
+            </a:extLst>
+          </p:cNvPr>
+          <p:cNvCxnSpPr>
+            <a:stCxn id="291" idx="3"/>
+          </p:cNvCxnSpPr>
+          <p:nvPr/>
+        </p:nvCxnSpPr>
+        <p:spPr>
+          <a:xfrm flipV="1">
+            <a:off x="8151119" y="5049480"/>
+            <a:ext cx="385892" cy="1"/>
+          </a:xfrm>
+          <a:prstGeom prst="straightConnector1">
+            <a:avLst/>
+          </a:prstGeom>
+          <a:ln w="38100">
+            <a:tailEnd type="triangle"/>
+          </a:ln>
+        </p:spPr>
+        <p:style>
+          <a:lnRef idx="1">
+            <a:schemeClr val="accent1"/>
+          </a:lnRef>
+          <a:fillRef idx="0">
+            <a:schemeClr val="accent1"/>
+          </a:fillRef>
+          <a:effectRef idx="0">
+            <a:schemeClr val="accent1"/>
+          </a:effectRef>
+          <a:fontRef idx="minor">
+            <a:schemeClr val="tx1"/>
+          </a:fontRef>
+        </p:style>
+      </p:cxnSp>
+      <p:sp>
+        <p:nvSpPr>
+          <p:cNvPr id="294" name="TextBox 293">
+            <a:extLst>
+              <a:ext uri="{FF2B5EF4-FFF2-40B4-BE49-F238E27FC236}">
+                <a16:creationId xmlns:a16="http://schemas.microsoft.com/office/drawing/2014/main" id="{4FFB0D34-09E7-4D23-BBD9-3E993C8644E9}"/>
+              </a:ext>
+            </a:extLst>
+          </p:cNvPr>
+          <p:cNvSpPr txBox="1"/>
+          <p:nvPr/>
+        </p:nvSpPr>
+        <p:spPr>
+          <a:xfrm>
+            <a:off x="7413652" y="4861694"/>
+            <a:ext cx="360726" cy="369332"/>
+          </a:xfrm>
+          <a:prstGeom prst="rect">
+            <a:avLst/>
+          </a:prstGeom>
+          <a:noFill/>
+        </p:spPr>
+        <p:txBody>
+          <a:bodyPr wrap="square" rtlCol="0">
+            <a:spAutoFit/>
+          </a:bodyPr>
+          <a:lstStyle/>
+          <a:p>
+            <a:r>
+              <a:rPr lang="en-US" dirty="0"/>
+              <a:t>7</a:t>
+            </a:r>
+          </a:p>
+        </p:txBody>
+      </p:sp>
+    </p:spTree>
+    <p:extLst>
+      <p:ext uri="{BB962C8B-B14F-4D97-AF65-F5344CB8AC3E}">
+        <p14:creationId xmlns:p14="http://schemas.microsoft.com/office/powerpoint/2010/main" val="4287014584"/>
       </p:ext>
     </p:extLst>
   </p:cSld>

--- a/Cracking_the_coding_interview/Java/src_explanation/2.6.Palindrome.pptx
+++ b/Cracking_the_coding_interview/Java/src_explanation/2.6.Palindrome.pptx
@@ -7619,7 +7619,7 @@
           <a:p>
             <a:r>
               <a:rPr lang="en-US" dirty="0"/>
-              <a:t>3</a:t>
+              <a:t>1</a:t>
             </a:r>
           </a:p>
         </p:txBody>
@@ -7926,7 +7926,7 @@
           <a:p>
             <a:r>
               <a:rPr lang="en-US" dirty="0"/>
-              <a:t>6</a:t>
+              <a:t>2</a:t>
             </a:r>
           </a:p>
         </p:txBody>
@@ -7961,7 +7961,7 @@
           <a:p>
             <a:r>
               <a:rPr lang="en-US" dirty="0"/>
-              <a:t>7</a:t>
+              <a:t>3</a:t>
             </a:r>
           </a:p>
         </p:txBody>
@@ -8017,8 +8017,8 @@
         </p:nvCxnSpPr>
         <p:spPr>
           <a:xfrm flipV="1">
-            <a:off x="427843" y="979738"/>
-            <a:ext cx="4970638" cy="2599"/>
+            <a:off x="269068" y="1059469"/>
+            <a:ext cx="7051541" cy="16316"/>
           </a:xfrm>
           <a:prstGeom prst="line">
             <a:avLst/>
@@ -8114,7 +8114,7 @@
                   <a:schemeClr val="accent1"/>
                 </a:solidFill>
               </a:rPr>
-              <a:t>reverseAndClone.java</a:t>
+              <a:t>isPalindrome3()</a:t>
             </a:r>
           </a:p>
         </p:txBody>
@@ -11549,6 +11549,348 @@
             <a:r>
               <a:rPr lang="en-US" dirty="0"/>
               <a:t>7</a:t>
+            </a:r>
+          </a:p>
+        </p:txBody>
+      </p:sp>
+      <p:cxnSp>
+        <p:nvCxnSpPr>
+          <p:cNvPr id="103" name="Straight Arrow Connector 102">
+            <a:extLst>
+              <a:ext uri="{FF2B5EF4-FFF2-40B4-BE49-F238E27FC236}">
+                <a16:creationId xmlns:a16="http://schemas.microsoft.com/office/drawing/2014/main" id="{289E7C24-42E9-4AA0-88EB-24FAEC6BF5FD}"/>
+              </a:ext>
+            </a:extLst>
+          </p:cNvPr>
+          <p:cNvCxnSpPr>
+            <a:cxnSpLocks/>
+          </p:cNvCxnSpPr>
+          <p:nvPr/>
+        </p:nvCxnSpPr>
+        <p:spPr>
+          <a:xfrm flipV="1">
+            <a:off x="4527844" y="708691"/>
+            <a:ext cx="385892" cy="1"/>
+          </a:xfrm>
+          <a:prstGeom prst="straightConnector1">
+            <a:avLst/>
+          </a:prstGeom>
+          <a:ln w="38100">
+            <a:tailEnd type="triangle"/>
+          </a:ln>
+        </p:spPr>
+        <p:style>
+          <a:lnRef idx="1">
+            <a:schemeClr val="accent1"/>
+          </a:lnRef>
+          <a:fillRef idx="0">
+            <a:schemeClr val="accent1"/>
+          </a:fillRef>
+          <a:effectRef idx="0">
+            <a:schemeClr val="accent1"/>
+          </a:effectRef>
+          <a:fontRef idx="minor">
+            <a:schemeClr val="tx1"/>
+          </a:fontRef>
+        </p:style>
+      </p:cxnSp>
+      <p:sp>
+        <p:nvSpPr>
+          <p:cNvPr id="104" name="Rectangle 103">
+            <a:extLst>
+              <a:ext uri="{FF2B5EF4-FFF2-40B4-BE49-F238E27FC236}">
+                <a16:creationId xmlns:a16="http://schemas.microsoft.com/office/drawing/2014/main" id="{4A3E1B71-7BB6-483F-AF32-8A3DEF70A521}"/>
+              </a:ext>
+            </a:extLst>
+          </p:cNvPr>
+          <p:cNvSpPr/>
+          <p:nvPr/>
+        </p:nvSpPr>
+        <p:spPr>
+          <a:xfrm>
+            <a:off x="4913736" y="578662"/>
+            <a:ext cx="830510" cy="251886"/>
+          </a:xfrm>
+          <a:prstGeom prst="rect">
+            <a:avLst/>
+          </a:prstGeom>
+        </p:spPr>
+        <p:style>
+          <a:lnRef idx="2">
+            <a:schemeClr val="accent1">
+              <a:shade val="50000"/>
+            </a:schemeClr>
+          </a:lnRef>
+          <a:fillRef idx="1">
+            <a:schemeClr val="accent1"/>
+          </a:fillRef>
+          <a:effectRef idx="0">
+            <a:schemeClr val="accent1"/>
+          </a:effectRef>
+          <a:fontRef idx="minor">
+            <a:schemeClr val="lt1"/>
+          </a:fontRef>
+        </p:style>
+        <p:txBody>
+          <a:bodyPr rtlCol="0" anchor="ctr"/>
+          <a:lstStyle/>
+          <a:p>
+            <a:pPr algn="ctr"/>
+            <a:endParaRPr lang="en-US"/>
+          </a:p>
+        </p:txBody>
+      </p:sp>
+      <p:sp>
+        <p:nvSpPr>
+          <p:cNvPr id="105" name="Rectangle 104">
+            <a:extLst>
+              <a:ext uri="{FF2B5EF4-FFF2-40B4-BE49-F238E27FC236}">
+                <a16:creationId xmlns:a16="http://schemas.microsoft.com/office/drawing/2014/main" id="{9D95AB5D-728A-41ED-9836-269260EA39F3}"/>
+              </a:ext>
+            </a:extLst>
+          </p:cNvPr>
+          <p:cNvSpPr/>
+          <p:nvPr/>
+        </p:nvSpPr>
+        <p:spPr>
+          <a:xfrm>
+            <a:off x="4913736" y="578661"/>
+            <a:ext cx="486560" cy="251887"/>
+          </a:xfrm>
+          <a:prstGeom prst="rect">
+            <a:avLst/>
+          </a:prstGeom>
+          <a:solidFill>
+            <a:schemeClr val="bg1"/>
+          </a:solidFill>
+        </p:spPr>
+        <p:style>
+          <a:lnRef idx="2">
+            <a:schemeClr val="accent1">
+              <a:shade val="50000"/>
+            </a:schemeClr>
+          </a:lnRef>
+          <a:fillRef idx="1">
+            <a:schemeClr val="accent1"/>
+          </a:fillRef>
+          <a:effectRef idx="0">
+            <a:schemeClr val="accent1"/>
+          </a:effectRef>
+          <a:fontRef idx="minor">
+            <a:schemeClr val="lt1"/>
+          </a:fontRef>
+        </p:style>
+        <p:txBody>
+          <a:bodyPr rtlCol="0" anchor="ctr"/>
+          <a:lstStyle/>
+          <a:p>
+            <a:pPr algn="ctr"/>
+            <a:endParaRPr lang="en-US"/>
+          </a:p>
+        </p:txBody>
+      </p:sp>
+      <p:cxnSp>
+        <p:nvCxnSpPr>
+          <p:cNvPr id="106" name="Straight Arrow Connector 105">
+            <a:extLst>
+              <a:ext uri="{FF2B5EF4-FFF2-40B4-BE49-F238E27FC236}">
+                <a16:creationId xmlns:a16="http://schemas.microsoft.com/office/drawing/2014/main" id="{200A35A5-21A3-4290-9C34-424705035A9D}"/>
+              </a:ext>
+            </a:extLst>
+          </p:cNvPr>
+          <p:cNvCxnSpPr>
+            <a:stCxn id="104" idx="3"/>
+          </p:cNvCxnSpPr>
+          <p:nvPr/>
+        </p:nvCxnSpPr>
+        <p:spPr>
+          <a:xfrm flipV="1">
+            <a:off x="5744246" y="704604"/>
+            <a:ext cx="385892" cy="1"/>
+          </a:xfrm>
+          <a:prstGeom prst="straightConnector1">
+            <a:avLst/>
+          </a:prstGeom>
+          <a:ln w="38100">
+            <a:tailEnd type="triangle"/>
+          </a:ln>
+        </p:spPr>
+        <p:style>
+          <a:lnRef idx="1">
+            <a:schemeClr val="accent1"/>
+          </a:lnRef>
+          <a:fillRef idx="0">
+            <a:schemeClr val="accent1"/>
+          </a:fillRef>
+          <a:effectRef idx="0">
+            <a:schemeClr val="accent1"/>
+          </a:effectRef>
+          <a:fontRef idx="minor">
+            <a:schemeClr val="tx1"/>
+          </a:fontRef>
+        </p:style>
+      </p:cxnSp>
+      <p:sp>
+        <p:nvSpPr>
+          <p:cNvPr id="107" name="Rectangle 106">
+            <a:extLst>
+              <a:ext uri="{FF2B5EF4-FFF2-40B4-BE49-F238E27FC236}">
+                <a16:creationId xmlns:a16="http://schemas.microsoft.com/office/drawing/2014/main" id="{7203F0F0-7370-4322-AF09-3CC8446F97D6}"/>
+              </a:ext>
+            </a:extLst>
+          </p:cNvPr>
+          <p:cNvSpPr/>
+          <p:nvPr/>
+        </p:nvSpPr>
+        <p:spPr>
+          <a:xfrm>
+            <a:off x="6138525" y="578662"/>
+            <a:ext cx="830510" cy="251886"/>
+          </a:xfrm>
+          <a:prstGeom prst="rect">
+            <a:avLst/>
+          </a:prstGeom>
+        </p:spPr>
+        <p:style>
+          <a:lnRef idx="2">
+            <a:schemeClr val="accent1">
+              <a:shade val="50000"/>
+            </a:schemeClr>
+          </a:lnRef>
+          <a:fillRef idx="1">
+            <a:schemeClr val="accent1"/>
+          </a:fillRef>
+          <a:effectRef idx="0">
+            <a:schemeClr val="accent1"/>
+          </a:effectRef>
+          <a:fontRef idx="minor">
+            <a:schemeClr val="lt1"/>
+          </a:fontRef>
+        </p:style>
+        <p:txBody>
+          <a:bodyPr rtlCol="0" anchor="ctr"/>
+          <a:lstStyle/>
+          <a:p>
+            <a:pPr algn="ctr"/>
+            <a:endParaRPr lang="en-US"/>
+          </a:p>
+        </p:txBody>
+      </p:sp>
+      <p:sp>
+        <p:nvSpPr>
+          <p:cNvPr id="108" name="Rectangle 107">
+            <a:extLst>
+              <a:ext uri="{FF2B5EF4-FFF2-40B4-BE49-F238E27FC236}">
+                <a16:creationId xmlns:a16="http://schemas.microsoft.com/office/drawing/2014/main" id="{BE44D3EF-04D7-4BCD-A2D6-BC79F205037B}"/>
+              </a:ext>
+            </a:extLst>
+          </p:cNvPr>
+          <p:cNvSpPr/>
+          <p:nvPr/>
+        </p:nvSpPr>
+        <p:spPr>
+          <a:xfrm>
+            <a:off x="6138525" y="578661"/>
+            <a:ext cx="486560" cy="251887"/>
+          </a:xfrm>
+          <a:prstGeom prst="rect">
+            <a:avLst/>
+          </a:prstGeom>
+          <a:solidFill>
+            <a:schemeClr val="bg1"/>
+          </a:solidFill>
+        </p:spPr>
+        <p:style>
+          <a:lnRef idx="2">
+            <a:schemeClr val="accent1">
+              <a:shade val="50000"/>
+            </a:schemeClr>
+          </a:lnRef>
+          <a:fillRef idx="1">
+            <a:schemeClr val="accent1"/>
+          </a:fillRef>
+          <a:effectRef idx="0">
+            <a:schemeClr val="accent1"/>
+          </a:effectRef>
+          <a:fontRef idx="minor">
+            <a:schemeClr val="lt1"/>
+          </a:fontRef>
+        </p:style>
+        <p:txBody>
+          <a:bodyPr rtlCol="0" anchor="ctr"/>
+          <a:lstStyle/>
+          <a:p>
+            <a:pPr algn="ctr"/>
+            <a:endParaRPr lang="en-US"/>
+          </a:p>
+        </p:txBody>
+      </p:sp>
+      <p:sp>
+        <p:nvSpPr>
+          <p:cNvPr id="109" name="TextBox 108">
+            <a:extLst>
+              <a:ext uri="{FF2B5EF4-FFF2-40B4-BE49-F238E27FC236}">
+                <a16:creationId xmlns:a16="http://schemas.microsoft.com/office/drawing/2014/main" id="{3405A0CC-AC6E-4E61-A15C-CFE18211AF69}"/>
+              </a:ext>
+            </a:extLst>
+          </p:cNvPr>
+          <p:cNvSpPr txBox="1"/>
+          <p:nvPr/>
+        </p:nvSpPr>
+        <p:spPr>
+          <a:xfrm>
+            <a:off x="4985041" y="519938"/>
+            <a:ext cx="360726" cy="369332"/>
+          </a:xfrm>
+          <a:prstGeom prst="rect">
+            <a:avLst/>
+          </a:prstGeom>
+          <a:noFill/>
+        </p:spPr>
+        <p:txBody>
+          <a:bodyPr wrap="square" rtlCol="0">
+            <a:spAutoFit/>
+          </a:bodyPr>
+          <a:lstStyle/>
+          <a:p>
+            <a:r>
+              <a:rPr lang="en-US" dirty="0"/>
+              <a:t>2</a:t>
+            </a:r>
+          </a:p>
+        </p:txBody>
+      </p:sp>
+      <p:sp>
+        <p:nvSpPr>
+          <p:cNvPr id="110" name="TextBox 109">
+            <a:extLst>
+              <a:ext uri="{FF2B5EF4-FFF2-40B4-BE49-F238E27FC236}">
+                <a16:creationId xmlns:a16="http://schemas.microsoft.com/office/drawing/2014/main" id="{B7DFDA2E-4847-4B91-9F76-8C425DB3FD48}"/>
+              </a:ext>
+            </a:extLst>
+          </p:cNvPr>
+          <p:cNvSpPr txBox="1"/>
+          <p:nvPr/>
+        </p:nvSpPr>
+        <p:spPr>
+          <a:xfrm>
+            <a:off x="6209831" y="519938"/>
+            <a:ext cx="360726" cy="369332"/>
+          </a:xfrm>
+          <a:prstGeom prst="rect">
+            <a:avLst/>
+          </a:prstGeom>
+          <a:noFill/>
+        </p:spPr>
+        <p:txBody>
+          <a:bodyPr wrap="square" rtlCol="0">
+            <a:spAutoFit/>
+          </a:bodyPr>
+          <a:lstStyle/>
+          <a:p>
+            <a:r>
+              <a:rPr lang="en-US" dirty="0"/>
+              <a:t>1</a:t>
             </a:r>
           </a:p>
         </p:txBody>
